--- a/Presentation.pptx
+++ b/Presentation.pptx
@@ -1,31 +1,31 @@
 
 <file path=ppt/presentation.xml><?xml version="1.0" encoding="utf-8"?>
-<p:presentation xmlns:a="http://schemas.openxmlformats.org/drawingml/2006/main" xmlns:r="http://schemas.openxmlformats.org/officeDocument/2006/relationships" xmlns:p="http://schemas.openxmlformats.org/presentationml/2006/main" saveSubsetFonts="1" embedTrueTypeFonts="true">
+<p:presentation xmlns:a="http://schemas.openxmlformats.org/drawingml/2006/main" xmlns:r="http://schemas.openxmlformats.org/officeDocument/2006/relationships" xmlns:p="http://schemas.openxmlformats.org/presentationml/2006/main" embedTrueTypeFonts="1" saveSubsetFonts="1">
   <p:sldMasterIdLst>
     <p:sldMasterId id="2147483648" r:id="rId1"/>
   </p:sldMasterIdLst>
   <p:sldIdLst>
-    <p:sldId id="256" r:id="rId6"/>
-    <p:sldId id="257" r:id="rId7"/>
-    <p:sldId id="258" r:id="rId8"/>
-    <p:sldId id="259" r:id="rId9"/>
-    <p:sldId id="260" r:id="rId10"/>
-    <p:sldId id="261" r:id="rId11"/>
+    <p:sldId id="256" r:id="rId2"/>
+    <p:sldId id="257" r:id="rId3"/>
+    <p:sldId id="258" r:id="rId4"/>
+    <p:sldId id="259" r:id="rId5"/>
+    <p:sldId id="260" r:id="rId6"/>
+    <p:sldId id="261" r:id="rId7"/>
   </p:sldIdLst>
   <p:sldSz cx="18288000" cy="10287000"/>
   <p:notesSz cx="6858000" cy="9144000"/>
   <p:embeddedFontLst>
     <p:embeddedFont>
-      <p:font typeface="Bricolage Grotesque Bold" charset="1" panose="020B0605040402000204"/>
-      <p:regular r:id="rId12"/>
+      <p:font typeface="Bricolage Grotesque Bold" panose="020B0604020202020204" charset="0"/>
+      <p:regular r:id="rId8"/>
     </p:embeddedFont>
     <p:embeddedFont>
-      <p:font typeface="Inter Medium" charset="1" panose="02000503000000020004"/>
-      <p:regular r:id="rId13"/>
+      <p:font typeface="Inter Bold" panose="020B0604020202020204" charset="0"/>
+      <p:regular r:id="rId9"/>
     </p:embeddedFont>
     <p:embeddedFont>
-      <p:font typeface="Inter Bold" charset="1" panose="020B0802030000000004"/>
-      <p:regular r:id="rId14"/>
+      <p:font typeface="Inter Medium" panose="020B0604020202020204" charset="0"/>
+      <p:regular r:id="rId10"/>
     </p:embeddedFont>
   </p:embeddedFontLst>
   <p:defaultTextStyle>
@@ -123,6 +123,22 @@
       </a:defRPr>
     </a:lvl9pPr>
   </p:defaultTextStyle>
+  <p:extLst>
+    <p:ext uri="{EFAFB233-063F-42B5-8137-9DF3F51BA10A}">
+      <p15:sldGuideLst xmlns:p15="http://schemas.microsoft.com/office/powerpoint/2012/main">
+        <p15:guide id="1" orient="horz" pos="2160">
+          <p15:clr>
+            <a:srgbClr val="A4A3A4"/>
+          </p15:clr>
+        </p15:guide>
+        <p15:guide id="2" pos="2880">
+          <p15:clr>
+            <a:srgbClr val="A4A3A4"/>
+          </p15:clr>
+        </p15:guide>
+      </p15:sldGuideLst>
+    </p:ext>
+  </p:extLst>
 </p:presentation>
 </file>
 
@@ -164,10 +180,9 @@
           <a:lstStyle/>
           <a:p>
             <a:r>
-              <a:rPr lang="en-US" smtClean="0"/>
+              <a:rPr lang="en-US"/>
               <a:t>Click to edit Master title style</a:t>
             </a:r>
-            <a:endParaRPr lang="en-US"/>
           </a:p>
         </p:txBody>
       </p:sp>
@@ -283,10 +298,9 @@
           </a:lstStyle>
           <a:p>
             <a:r>
-              <a:rPr lang="en-US" smtClean="0"/>
+              <a:rPr lang="en-US"/>
               <a:t>Click to edit Master subtitle style</a:t>
             </a:r>
-            <a:endParaRPr lang="en-US"/>
           </a:p>
         </p:txBody>
       </p:sp>
@@ -308,7 +322,7 @@
             <a:fld id="{1D8BD707-D9CF-40AE-B4C6-C98DA3205C09}" type="datetimeFigureOut">
               <a:rPr lang="en-US" smtClean="0"/>
               <a:pPr/>
-              <a:t>8/1/2011</a:t>
+              <a:t>5/2/2025</a:t>
             </a:fld>
             <a:endParaRPr lang="en-US"/>
           </a:p>
@@ -398,10 +412,9 @@
           <a:lstStyle/>
           <a:p>
             <a:r>
-              <a:rPr lang="en-US" smtClean="0"/>
+              <a:rPr lang="en-US"/>
               <a:t>Click to edit Master title style</a:t>
             </a:r>
-            <a:endParaRPr lang="en-US"/>
           </a:p>
         </p:txBody>
       </p:sp>
@@ -422,38 +435,37 @@
           <a:p>
             <a:pPr lvl="0"/>
             <a:r>
-              <a:rPr lang="en-US" smtClean="0"/>
+              <a:rPr lang="en-US"/>
               <a:t>Click to edit Master text styles</a:t>
             </a:r>
           </a:p>
           <a:p>
             <a:pPr lvl="1"/>
             <a:r>
-              <a:rPr lang="en-US" smtClean="0"/>
+              <a:rPr lang="en-US"/>
               <a:t>Second level</a:t>
             </a:r>
           </a:p>
           <a:p>
             <a:pPr lvl="2"/>
             <a:r>
-              <a:rPr lang="en-US" smtClean="0"/>
+              <a:rPr lang="en-US"/>
               <a:t>Third level</a:t>
             </a:r>
           </a:p>
           <a:p>
             <a:pPr lvl="3"/>
             <a:r>
-              <a:rPr lang="en-US" smtClean="0"/>
+              <a:rPr lang="en-US"/>
               <a:t>Fourth level</a:t>
             </a:r>
           </a:p>
           <a:p>
             <a:pPr lvl="4"/>
             <a:r>
-              <a:rPr lang="en-US" smtClean="0"/>
+              <a:rPr lang="en-US"/>
               <a:t>Fifth level</a:t>
             </a:r>
-            <a:endParaRPr lang="en-US"/>
           </a:p>
         </p:txBody>
       </p:sp>
@@ -475,7 +487,7 @@
             <a:fld id="{1D8BD707-D9CF-40AE-B4C6-C98DA3205C09}" type="datetimeFigureOut">
               <a:rPr lang="en-US" smtClean="0"/>
               <a:pPr/>
-              <a:t>8/1/2011</a:t>
+              <a:t>5/2/2025</a:t>
             </a:fld>
             <a:endParaRPr lang="en-US"/>
           </a:p>
@@ -570,10 +582,9 @@
           <a:lstStyle/>
           <a:p>
             <a:r>
-              <a:rPr lang="en-US" smtClean="0"/>
+              <a:rPr lang="en-US"/>
               <a:t>Click to edit Master title style</a:t>
             </a:r>
-            <a:endParaRPr lang="en-US"/>
           </a:p>
         </p:txBody>
       </p:sp>
@@ -599,38 +610,37 @@
           <a:p>
             <a:pPr lvl="0"/>
             <a:r>
-              <a:rPr lang="en-US" smtClean="0"/>
+              <a:rPr lang="en-US"/>
               <a:t>Click to edit Master text styles</a:t>
             </a:r>
           </a:p>
           <a:p>
             <a:pPr lvl="1"/>
             <a:r>
-              <a:rPr lang="en-US" smtClean="0"/>
+              <a:rPr lang="en-US"/>
               <a:t>Second level</a:t>
             </a:r>
           </a:p>
           <a:p>
             <a:pPr lvl="2"/>
             <a:r>
-              <a:rPr lang="en-US" smtClean="0"/>
+              <a:rPr lang="en-US"/>
               <a:t>Third level</a:t>
             </a:r>
           </a:p>
           <a:p>
             <a:pPr lvl="3"/>
             <a:r>
-              <a:rPr lang="en-US" smtClean="0"/>
+              <a:rPr lang="en-US"/>
               <a:t>Fourth level</a:t>
             </a:r>
           </a:p>
           <a:p>
             <a:pPr lvl="4"/>
             <a:r>
-              <a:rPr lang="en-US" smtClean="0"/>
+              <a:rPr lang="en-US"/>
               <a:t>Fifth level</a:t>
             </a:r>
-            <a:endParaRPr lang="en-US"/>
           </a:p>
         </p:txBody>
       </p:sp>
@@ -652,7 +662,7 @@
             <a:fld id="{1D8BD707-D9CF-40AE-B4C6-C98DA3205C09}" type="datetimeFigureOut">
               <a:rPr lang="en-US" smtClean="0"/>
               <a:pPr/>
-              <a:t>8/1/2011</a:t>
+              <a:t>5/2/2025</a:t>
             </a:fld>
             <a:endParaRPr lang="en-US"/>
           </a:p>
@@ -742,10 +752,9 @@
           <a:lstStyle/>
           <a:p>
             <a:r>
-              <a:rPr lang="en-US" smtClean="0"/>
+              <a:rPr lang="en-US"/>
               <a:t>Click to edit Master title style</a:t>
             </a:r>
-            <a:endParaRPr lang="en-US"/>
           </a:p>
         </p:txBody>
       </p:sp>
@@ -766,38 +775,37 @@
           <a:p>
             <a:pPr lvl="0"/>
             <a:r>
-              <a:rPr lang="en-US" smtClean="0"/>
+              <a:rPr lang="en-US"/>
               <a:t>Click to edit Master text styles</a:t>
             </a:r>
           </a:p>
           <a:p>
             <a:pPr lvl="1"/>
             <a:r>
-              <a:rPr lang="en-US" smtClean="0"/>
+              <a:rPr lang="en-US"/>
               <a:t>Second level</a:t>
             </a:r>
           </a:p>
           <a:p>
             <a:pPr lvl="2"/>
             <a:r>
-              <a:rPr lang="en-US" smtClean="0"/>
+              <a:rPr lang="en-US"/>
               <a:t>Third level</a:t>
             </a:r>
           </a:p>
           <a:p>
             <a:pPr lvl="3"/>
             <a:r>
-              <a:rPr lang="en-US" smtClean="0"/>
+              <a:rPr lang="en-US"/>
               <a:t>Fourth level</a:t>
             </a:r>
           </a:p>
           <a:p>
             <a:pPr lvl="4"/>
             <a:r>
-              <a:rPr lang="en-US" smtClean="0"/>
+              <a:rPr lang="en-US"/>
               <a:t>Fifth level</a:t>
             </a:r>
-            <a:endParaRPr lang="en-US"/>
           </a:p>
         </p:txBody>
       </p:sp>
@@ -819,7 +827,7 @@
             <a:fld id="{1D8BD707-D9CF-40AE-B4C6-C98DA3205C09}" type="datetimeFigureOut">
               <a:rPr lang="en-US" smtClean="0"/>
               <a:pPr/>
-              <a:t>8/1/2011</a:t>
+              <a:t>5/2/2025</a:t>
             </a:fld>
             <a:endParaRPr lang="en-US"/>
           </a:p>
@@ -918,10 +926,9 @@
           </a:lstStyle>
           <a:p>
             <a:r>
-              <a:rPr lang="en-US" smtClean="0"/>
+              <a:rPr lang="en-US"/>
               <a:t>Click to edit Master title style</a:t>
             </a:r>
-            <a:endParaRPr lang="en-US"/>
           </a:p>
         </p:txBody>
       </p:sp>
@@ -1038,7 +1045,7 @@
           <a:p>
             <a:pPr lvl="0"/>
             <a:r>
-              <a:rPr lang="en-US" smtClean="0"/>
+              <a:rPr lang="en-US"/>
               <a:t>Click to edit Master text styles</a:t>
             </a:r>
           </a:p>
@@ -1062,7 +1069,7 @@
             <a:fld id="{1D8BD707-D9CF-40AE-B4C6-C98DA3205C09}" type="datetimeFigureOut">
               <a:rPr lang="en-US" smtClean="0"/>
               <a:pPr/>
-              <a:t>8/1/2011</a:t>
+              <a:t>5/2/2025</a:t>
             </a:fld>
             <a:endParaRPr lang="en-US"/>
           </a:p>
@@ -1152,10 +1159,9 @@
           <a:lstStyle/>
           <a:p>
             <a:r>
-              <a:rPr lang="en-US" smtClean="0"/>
+              <a:rPr lang="en-US"/>
               <a:t>Click to edit Master title style</a:t>
             </a:r>
-            <a:endParaRPr lang="en-US"/>
           </a:p>
         </p:txBody>
       </p:sp>
@@ -1209,38 +1215,37 @@
           <a:p>
             <a:pPr lvl="0"/>
             <a:r>
-              <a:rPr lang="en-US" smtClean="0"/>
+              <a:rPr lang="en-US"/>
               <a:t>Click to edit Master text styles</a:t>
             </a:r>
           </a:p>
           <a:p>
             <a:pPr lvl="1"/>
             <a:r>
-              <a:rPr lang="en-US" smtClean="0"/>
+              <a:rPr lang="en-US"/>
               <a:t>Second level</a:t>
             </a:r>
           </a:p>
           <a:p>
             <a:pPr lvl="2"/>
             <a:r>
-              <a:rPr lang="en-US" smtClean="0"/>
+              <a:rPr lang="en-US"/>
               <a:t>Third level</a:t>
             </a:r>
           </a:p>
           <a:p>
             <a:pPr lvl="3"/>
             <a:r>
-              <a:rPr lang="en-US" smtClean="0"/>
+              <a:rPr lang="en-US"/>
               <a:t>Fourth level</a:t>
             </a:r>
           </a:p>
           <a:p>
             <a:pPr lvl="4"/>
             <a:r>
-              <a:rPr lang="en-US" smtClean="0"/>
+              <a:rPr lang="en-US"/>
               <a:t>Fifth level</a:t>
             </a:r>
-            <a:endParaRPr lang="en-US"/>
           </a:p>
         </p:txBody>
       </p:sp>
@@ -1294,38 +1299,37 @@
           <a:p>
             <a:pPr lvl="0"/>
             <a:r>
-              <a:rPr lang="en-US" smtClean="0"/>
+              <a:rPr lang="en-US"/>
               <a:t>Click to edit Master text styles</a:t>
             </a:r>
           </a:p>
           <a:p>
             <a:pPr lvl="1"/>
             <a:r>
-              <a:rPr lang="en-US" smtClean="0"/>
+              <a:rPr lang="en-US"/>
               <a:t>Second level</a:t>
             </a:r>
           </a:p>
           <a:p>
             <a:pPr lvl="2"/>
             <a:r>
-              <a:rPr lang="en-US" smtClean="0"/>
+              <a:rPr lang="en-US"/>
               <a:t>Third level</a:t>
             </a:r>
           </a:p>
           <a:p>
             <a:pPr lvl="3"/>
             <a:r>
-              <a:rPr lang="en-US" smtClean="0"/>
+              <a:rPr lang="en-US"/>
               <a:t>Fourth level</a:t>
             </a:r>
           </a:p>
           <a:p>
             <a:pPr lvl="4"/>
             <a:r>
-              <a:rPr lang="en-US" smtClean="0"/>
+              <a:rPr lang="en-US"/>
               <a:t>Fifth level</a:t>
             </a:r>
-            <a:endParaRPr lang="en-US"/>
           </a:p>
         </p:txBody>
       </p:sp>
@@ -1347,7 +1351,7 @@
             <a:fld id="{1D8BD707-D9CF-40AE-B4C6-C98DA3205C09}" type="datetimeFigureOut">
               <a:rPr lang="en-US" smtClean="0"/>
               <a:pPr/>
-              <a:t>8/1/2011</a:t>
+              <a:t>5/2/2025</a:t>
             </a:fld>
             <a:endParaRPr lang="en-US"/>
           </a:p>
@@ -1441,10 +1445,9 @@
           </a:lstStyle>
           <a:p>
             <a:r>
-              <a:rPr lang="en-US" smtClean="0"/>
+              <a:rPr lang="en-US"/>
               <a:t>Click to edit Master title style</a:t>
             </a:r>
-            <a:endParaRPr lang="en-US"/>
           </a:p>
         </p:txBody>
       </p:sp>
@@ -1507,7 +1510,7 @@
           <a:p>
             <a:pPr lvl="0"/>
             <a:r>
-              <a:rPr lang="en-US" smtClean="0"/>
+              <a:rPr lang="en-US"/>
               <a:t>Click to edit Master text styles</a:t>
             </a:r>
           </a:p>
@@ -1563,38 +1566,37 @@
           <a:p>
             <a:pPr lvl="0"/>
             <a:r>
-              <a:rPr lang="en-US" smtClean="0"/>
+              <a:rPr lang="en-US"/>
               <a:t>Click to edit Master text styles</a:t>
             </a:r>
           </a:p>
           <a:p>
             <a:pPr lvl="1"/>
             <a:r>
-              <a:rPr lang="en-US" smtClean="0"/>
+              <a:rPr lang="en-US"/>
               <a:t>Second level</a:t>
             </a:r>
           </a:p>
           <a:p>
             <a:pPr lvl="2"/>
             <a:r>
-              <a:rPr lang="en-US" smtClean="0"/>
+              <a:rPr lang="en-US"/>
               <a:t>Third level</a:t>
             </a:r>
           </a:p>
           <a:p>
             <a:pPr lvl="3"/>
             <a:r>
-              <a:rPr lang="en-US" smtClean="0"/>
+              <a:rPr lang="en-US"/>
               <a:t>Fourth level</a:t>
             </a:r>
           </a:p>
           <a:p>
             <a:pPr lvl="4"/>
             <a:r>
-              <a:rPr lang="en-US" smtClean="0"/>
+              <a:rPr lang="en-US"/>
               <a:t>Fifth level</a:t>
             </a:r>
-            <a:endParaRPr lang="en-US"/>
           </a:p>
         </p:txBody>
       </p:sp>
@@ -1657,7 +1659,7 @@
           <a:p>
             <a:pPr lvl="0"/>
             <a:r>
-              <a:rPr lang="en-US" smtClean="0"/>
+              <a:rPr lang="en-US"/>
               <a:t>Click to edit Master text styles</a:t>
             </a:r>
           </a:p>
@@ -1713,38 +1715,37 @@
           <a:p>
             <a:pPr lvl="0"/>
             <a:r>
-              <a:rPr lang="en-US" smtClean="0"/>
+              <a:rPr lang="en-US"/>
               <a:t>Click to edit Master text styles</a:t>
             </a:r>
           </a:p>
           <a:p>
             <a:pPr lvl="1"/>
             <a:r>
-              <a:rPr lang="en-US" smtClean="0"/>
+              <a:rPr lang="en-US"/>
               <a:t>Second level</a:t>
             </a:r>
           </a:p>
           <a:p>
             <a:pPr lvl="2"/>
             <a:r>
-              <a:rPr lang="en-US" smtClean="0"/>
+              <a:rPr lang="en-US"/>
               <a:t>Third level</a:t>
             </a:r>
           </a:p>
           <a:p>
             <a:pPr lvl="3"/>
             <a:r>
-              <a:rPr lang="en-US" smtClean="0"/>
+              <a:rPr lang="en-US"/>
               <a:t>Fourth level</a:t>
             </a:r>
           </a:p>
           <a:p>
             <a:pPr lvl="4"/>
             <a:r>
-              <a:rPr lang="en-US" smtClean="0"/>
+              <a:rPr lang="en-US"/>
               <a:t>Fifth level</a:t>
             </a:r>
-            <a:endParaRPr lang="en-US"/>
           </a:p>
         </p:txBody>
       </p:sp>
@@ -1766,7 +1767,7 @@
             <a:fld id="{1D8BD707-D9CF-40AE-B4C6-C98DA3205C09}" type="datetimeFigureOut">
               <a:rPr lang="en-US" smtClean="0"/>
               <a:pPr/>
-              <a:t>8/1/2011</a:t>
+              <a:t>5/2/2025</a:t>
             </a:fld>
             <a:endParaRPr lang="en-US"/>
           </a:p>
@@ -1856,10 +1857,9 @@
           <a:lstStyle/>
           <a:p>
             <a:r>
-              <a:rPr lang="en-US" smtClean="0"/>
+              <a:rPr lang="en-US"/>
               <a:t>Click to edit Master title style</a:t>
             </a:r>
-            <a:endParaRPr lang="en-US"/>
           </a:p>
         </p:txBody>
       </p:sp>
@@ -1881,7 +1881,7 @@
             <a:fld id="{1D8BD707-D9CF-40AE-B4C6-C98DA3205C09}" type="datetimeFigureOut">
               <a:rPr lang="en-US" smtClean="0"/>
               <a:pPr/>
-              <a:t>8/1/2011</a:t>
+              <a:t>5/2/2025</a:t>
             </a:fld>
             <a:endParaRPr lang="en-US"/>
           </a:p>
@@ -1973,7 +1973,7 @@
             <a:fld id="{1D8BD707-D9CF-40AE-B4C6-C98DA3205C09}" type="datetimeFigureOut">
               <a:rPr lang="en-US" smtClean="0"/>
               <a:pPr/>
-              <a:t>8/1/2011</a:t>
+              <a:t>5/2/2025</a:t>
             </a:fld>
             <a:endParaRPr lang="en-US"/>
           </a:p>
@@ -2072,10 +2072,9 @@
           </a:lstStyle>
           <a:p>
             <a:r>
-              <a:rPr lang="en-US" smtClean="0"/>
+              <a:rPr lang="en-US"/>
               <a:t>Click to edit Master title style</a:t>
             </a:r>
-            <a:endParaRPr lang="en-US"/>
           </a:p>
         </p:txBody>
       </p:sp>
@@ -2129,38 +2128,37 @@
           <a:p>
             <a:pPr lvl="0"/>
             <a:r>
-              <a:rPr lang="en-US" smtClean="0"/>
+              <a:rPr lang="en-US"/>
               <a:t>Click to edit Master text styles</a:t>
             </a:r>
           </a:p>
           <a:p>
             <a:pPr lvl="1"/>
             <a:r>
-              <a:rPr lang="en-US" smtClean="0"/>
+              <a:rPr lang="en-US"/>
               <a:t>Second level</a:t>
             </a:r>
           </a:p>
           <a:p>
             <a:pPr lvl="2"/>
             <a:r>
-              <a:rPr lang="en-US" smtClean="0"/>
+              <a:rPr lang="en-US"/>
               <a:t>Third level</a:t>
             </a:r>
           </a:p>
           <a:p>
             <a:pPr lvl="3"/>
             <a:r>
-              <a:rPr lang="en-US" smtClean="0"/>
+              <a:rPr lang="en-US"/>
               <a:t>Fourth level</a:t>
             </a:r>
           </a:p>
           <a:p>
             <a:pPr lvl="4"/>
             <a:r>
-              <a:rPr lang="en-US" smtClean="0"/>
+              <a:rPr lang="en-US"/>
               <a:t>Fifth level</a:t>
             </a:r>
-            <a:endParaRPr lang="en-US"/>
           </a:p>
         </p:txBody>
       </p:sp>
@@ -2223,7 +2221,7 @@
           <a:p>
             <a:pPr lvl="0"/>
             <a:r>
-              <a:rPr lang="en-US" smtClean="0"/>
+              <a:rPr lang="en-US"/>
               <a:t>Click to edit Master text styles</a:t>
             </a:r>
           </a:p>
@@ -2247,7 +2245,7 @@
             <a:fld id="{1D8BD707-D9CF-40AE-B4C6-C98DA3205C09}" type="datetimeFigureOut">
               <a:rPr lang="en-US" smtClean="0"/>
               <a:pPr/>
-              <a:t>8/1/2011</a:t>
+              <a:t>5/2/2025</a:t>
             </a:fld>
             <a:endParaRPr lang="en-US"/>
           </a:p>
@@ -2346,10 +2344,9 @@
           </a:lstStyle>
           <a:p>
             <a:r>
-              <a:rPr lang="en-US" smtClean="0"/>
+              <a:rPr lang="en-US"/>
               <a:t>Click to edit Master title style</a:t>
             </a:r>
-            <a:endParaRPr lang="en-US"/>
           </a:p>
         </p:txBody>
       </p:sp>
@@ -2473,7 +2470,7 @@
           <a:p>
             <a:pPr lvl="0"/>
             <a:r>
-              <a:rPr lang="en-US" smtClean="0"/>
+              <a:rPr lang="en-US"/>
               <a:t>Click to edit Master text styles</a:t>
             </a:r>
           </a:p>
@@ -2497,7 +2494,7 @@
             <a:fld id="{1D8BD707-D9CF-40AE-B4C6-C98DA3205C09}" type="datetimeFigureOut">
               <a:rPr lang="en-US" smtClean="0"/>
               <a:pPr/>
-              <a:t>8/1/2011</a:t>
+              <a:t>5/2/2025</a:t>
             </a:fld>
             <a:endParaRPr lang="en-US"/>
           </a:p>
@@ -2602,10 +2599,9 @@
           <a:lstStyle/>
           <a:p>
             <a:r>
-              <a:rPr lang="en-US" smtClean="0"/>
+              <a:rPr lang="en-US"/>
               <a:t>Click to edit Master title style</a:t>
             </a:r>
-            <a:endParaRPr lang="en-US"/>
           </a:p>
         </p:txBody>
       </p:sp>
@@ -2636,38 +2632,37 @@
           <a:p>
             <a:pPr lvl="0"/>
             <a:r>
-              <a:rPr lang="en-US" smtClean="0"/>
+              <a:rPr lang="en-US"/>
               <a:t>Click to edit Master text styles</a:t>
             </a:r>
           </a:p>
           <a:p>
             <a:pPr lvl="1"/>
             <a:r>
-              <a:rPr lang="en-US" smtClean="0"/>
+              <a:rPr lang="en-US"/>
               <a:t>Second level</a:t>
             </a:r>
           </a:p>
           <a:p>
             <a:pPr lvl="2"/>
             <a:r>
-              <a:rPr lang="en-US" smtClean="0"/>
+              <a:rPr lang="en-US"/>
               <a:t>Third level</a:t>
             </a:r>
           </a:p>
           <a:p>
             <a:pPr lvl="3"/>
             <a:r>
-              <a:rPr lang="en-US" smtClean="0"/>
+              <a:rPr lang="en-US"/>
               <a:t>Fourth level</a:t>
             </a:r>
           </a:p>
           <a:p>
             <a:pPr lvl="4"/>
             <a:r>
-              <a:rPr lang="en-US" smtClean="0"/>
+              <a:rPr lang="en-US"/>
               <a:t>Fifth level</a:t>
             </a:r>
-            <a:endParaRPr lang="en-US"/>
           </a:p>
         </p:txBody>
       </p:sp>
@@ -2707,7 +2702,7 @@
             <a:fld id="{1D8BD707-D9CF-40AE-B4C6-C98DA3205C09}" type="datetimeFigureOut">
               <a:rPr lang="en-US" smtClean="0"/>
               <a:pPr/>
-              <a:t>8/1/2011</a:t>
+              <a:t>5/2/2025</a:t>
             </a:fld>
             <a:endParaRPr lang="en-US"/>
           </a:p>
@@ -3062,13 +3057,14 @@
 </file>
 
 <file path=ppt/slides/slide1.xml><?xml version="1.0" encoding="utf-8"?>
-<p:sld xmlns:p="http://schemas.openxmlformats.org/presentationml/2006/main" xmlns:a="http://schemas.openxmlformats.org/drawingml/2006/main" xmlns:r="http://schemas.openxmlformats.org/officeDocument/2006/relationships">
+<p:sld xmlns:a="http://schemas.openxmlformats.org/drawingml/2006/main" xmlns:r="http://schemas.openxmlformats.org/officeDocument/2006/relationships" xmlns:p="http://schemas.openxmlformats.org/presentationml/2006/main">
   <p:cSld>
     <p:bg>
       <p:bgPr>
         <a:solidFill>
           <a:srgbClr val="0DA24D"/>
         </a:solidFill>
+        <a:effectLst/>
       </p:bgPr>
     </p:bg>
     <p:spTree>
@@ -3087,12 +3083,12 @@
       </p:grpSpPr>
       <p:sp>
         <p:nvSpPr>
-          <p:cNvPr name="Freeform 2" id="2"/>
+          <p:cNvPr id="2" name="Freeform 2"/>
           <p:cNvSpPr/>
           <p:nvPr/>
         </p:nvSpPr>
         <p:spPr>
-          <a:xfrm flipH="false" flipV="false" rot="0">
+          <a:xfrm>
             <a:off x="-6003748" y="-3415666"/>
             <a:ext cx="18473303" cy="16254526"/>
           </a:xfrm>
@@ -3101,9 +3097,9 @@
             <a:gdLst/>
             <a:ahLst/>
             <a:cxnLst/>
-            <a:rect r="r" b="b" t="t" l="l"/>
+            <a:rect l="l" t="t" r="r" b="b"/>
             <a:pathLst>
-              <a:path h="16254526" w="18473303">
+              <a:path w="18473303" h="16254526">
                 <a:moveTo>
                   <a:pt x="0" y="0"/>
                 </a:moveTo>
@@ -3132,19 +3128,26 @@
               </a:extLst>
             </a:blip>
             <a:stretch>
-              <a:fillRect l="0" t="0" r="0" b="0"/>
+              <a:fillRect/>
             </a:stretch>
           </a:blipFill>
         </p:spPr>
-      </p:sp>
-      <p:sp>
-        <p:nvSpPr>
-          <p:cNvPr name="TextBox 3" id="3"/>
-          <p:cNvSpPr txBox="true"/>
+        <p:txBody>
+          <a:bodyPr/>
+          <a:lstStyle/>
+          <a:p>
+            <a:endParaRPr lang="en-US"/>
+          </a:p>
+        </p:txBody>
+      </p:sp>
+      <p:sp>
+        <p:nvSpPr>
+          <p:cNvPr id="3" name="TextBox 3"/>
+          <p:cNvSpPr txBox="1"/>
           <p:nvPr/>
         </p:nvSpPr>
         <p:spPr>
-          <a:xfrm rot="0">
+          <a:xfrm>
             <a:off x="850154" y="4240717"/>
             <a:ext cx="12610819" cy="1955665"/>
           </a:xfrm>
@@ -3153,18 +3156,18 @@
           </a:prstGeom>
         </p:spPr>
         <p:txBody>
-          <a:bodyPr anchor="t" rtlCol="false" tIns="0" lIns="0" bIns="0" rIns="0">
+          <a:bodyPr lIns="0" tIns="0" rIns="0" bIns="0" rtlCol="0" anchor="t">
             <a:spAutoFit/>
           </a:bodyPr>
           <a:lstStyle/>
           <a:p>
-            <a:pPr algn="l" marL="0" indent="0" lvl="0">
+            <a:pPr marL="0" lvl="0" indent="0" algn="l">
               <a:lnSpc>
                 <a:spcPts val="14245"/>
               </a:lnSpc>
             </a:pPr>
             <a:r>
-              <a:rPr lang="en-US" b="true" sz="15484" spc="-1145">
+              <a:rPr lang="en-US" sz="15484" b="1" spc="-1145">
                 <a:solidFill>
                   <a:srgbClr val="FFFFFF"/>
                 </a:solidFill>
@@ -3180,12 +3183,12 @@
       </p:sp>
       <p:sp>
         <p:nvSpPr>
-          <p:cNvPr name="Freeform 4" id="4"/>
+          <p:cNvPr id="4" name="Freeform 4"/>
           <p:cNvSpPr/>
           <p:nvPr/>
         </p:nvSpPr>
         <p:spPr>
-          <a:xfrm flipH="false" flipV="false" rot="0">
+          <a:xfrm>
             <a:off x="12085671" y="1243484"/>
             <a:ext cx="10347259" cy="9594731"/>
           </a:xfrm>
@@ -3194,9 +3197,9 @@
             <a:gdLst/>
             <a:ahLst/>
             <a:cxnLst/>
-            <a:rect r="r" b="b" t="t" l="l"/>
+            <a:rect l="l" t="t" r="r" b="b"/>
             <a:pathLst>
-              <a:path h="9594731" w="10347259">
+              <a:path w="10347259" h="9594731">
                 <a:moveTo>
                   <a:pt x="0" y="0"/>
                 </a:moveTo>
@@ -3225,19 +3228,26 @@
               </a:extLst>
             </a:blip>
             <a:stretch>
-              <a:fillRect l="0" t="0" r="0" b="0"/>
+              <a:fillRect/>
             </a:stretch>
           </a:blipFill>
         </p:spPr>
-      </p:sp>
-      <p:sp>
-        <p:nvSpPr>
-          <p:cNvPr name="Freeform 5" id="5"/>
+        <p:txBody>
+          <a:bodyPr/>
+          <a:lstStyle/>
+          <a:p>
+            <a:endParaRPr lang="en-US"/>
+          </a:p>
+        </p:txBody>
+      </p:sp>
+      <p:sp>
+        <p:nvSpPr>
+          <p:cNvPr id="5" name="Freeform 5"/>
           <p:cNvSpPr/>
           <p:nvPr/>
         </p:nvSpPr>
         <p:spPr>
-          <a:xfrm flipH="false" flipV="false" rot="0">
+          <a:xfrm>
             <a:off x="9830677" y="6452163"/>
             <a:ext cx="4275717" cy="5112271"/>
           </a:xfrm>
@@ -3246,9 +3256,9 @@
             <a:gdLst/>
             <a:ahLst/>
             <a:cxnLst/>
-            <a:rect r="r" b="b" t="t" l="l"/>
+            <a:rect l="l" t="t" r="r" b="b"/>
             <a:pathLst>
-              <a:path h="5112271" w="4275717">
+              <a:path w="4275717" h="5112271">
                 <a:moveTo>
                   <a:pt x="0" y="0"/>
                 </a:moveTo>
@@ -3277,19 +3287,26 @@
               </a:extLst>
             </a:blip>
             <a:stretch>
-              <a:fillRect l="0" t="0" r="0" b="0"/>
+              <a:fillRect/>
             </a:stretch>
           </a:blipFill>
         </p:spPr>
-      </p:sp>
-      <p:sp>
-        <p:nvSpPr>
-          <p:cNvPr name="Freeform 6" id="6"/>
+        <p:txBody>
+          <a:bodyPr/>
+          <a:lstStyle/>
+          <a:p>
+            <a:endParaRPr lang="en-US"/>
+          </a:p>
+        </p:txBody>
+      </p:sp>
+      <p:sp>
+        <p:nvSpPr>
+          <p:cNvPr id="6" name="Freeform 6"/>
           <p:cNvSpPr/>
           <p:nvPr/>
         </p:nvSpPr>
         <p:spPr>
-          <a:xfrm flipH="false" flipV="false" rot="3651669">
+          <a:xfrm rot="3651669">
             <a:off x="1301356" y="-3768973"/>
             <a:ext cx="5402579" cy="10574443"/>
           </a:xfrm>
@@ -3298,9 +3315,9 @@
             <a:gdLst/>
             <a:ahLst/>
             <a:cxnLst/>
-            <a:rect r="r" b="b" t="t" l="l"/>
+            <a:rect l="l" t="t" r="r" b="b"/>
             <a:pathLst>
-              <a:path h="10574443" w="5402579">
+              <a:path w="5402579" h="10574443">
                 <a:moveTo>
                   <a:pt x="0" y="0"/>
                 </a:moveTo>
@@ -3329,19 +3346,26 @@
               </a:extLst>
             </a:blip>
             <a:stretch>
-              <a:fillRect l="0" t="0" r="0" b="0"/>
+              <a:fillRect/>
             </a:stretch>
           </a:blipFill>
         </p:spPr>
-      </p:sp>
-      <p:sp>
-        <p:nvSpPr>
-          <p:cNvPr name="Freeform 7" id="7"/>
+        <p:txBody>
+          <a:bodyPr/>
+          <a:lstStyle/>
+          <a:p>
+            <a:endParaRPr lang="en-US"/>
+          </a:p>
+        </p:txBody>
+      </p:sp>
+      <p:sp>
+        <p:nvSpPr>
+          <p:cNvPr id="7" name="Freeform 7"/>
           <p:cNvSpPr/>
           <p:nvPr/>
         </p:nvSpPr>
         <p:spPr>
-          <a:xfrm flipH="false" flipV="false" rot="4073718">
+          <a:xfrm rot="4073718">
             <a:off x="5502162" y="7723766"/>
             <a:ext cx="3306803" cy="4114800"/>
           </a:xfrm>
@@ -3350,9 +3374,9 @@
             <a:gdLst/>
             <a:ahLst/>
             <a:cxnLst/>
-            <a:rect r="r" b="b" t="t" l="l"/>
+            <a:rect l="l" t="t" r="r" b="b"/>
             <a:pathLst>
-              <a:path h="4114800" w="3306803">
+              <a:path w="3306803" h="4114800">
                 <a:moveTo>
                   <a:pt x="0" y="0"/>
                 </a:moveTo>
@@ -3381,19 +3405,26 @@
               </a:extLst>
             </a:blip>
             <a:stretch>
-              <a:fillRect l="0" t="0" r="0" b="0"/>
+              <a:fillRect/>
             </a:stretch>
           </a:blipFill>
         </p:spPr>
-      </p:sp>
-      <p:sp>
-        <p:nvSpPr>
-          <p:cNvPr name="Freeform 8" id="8"/>
+        <p:txBody>
+          <a:bodyPr/>
+          <a:lstStyle/>
+          <a:p>
+            <a:endParaRPr lang="en-US"/>
+          </a:p>
+        </p:txBody>
+      </p:sp>
+      <p:sp>
+        <p:nvSpPr>
+          <p:cNvPr id="8" name="Freeform 8"/>
           <p:cNvSpPr/>
           <p:nvPr/>
         </p:nvSpPr>
         <p:spPr>
-          <a:xfrm flipH="false" flipV="false" rot="0">
+          <a:xfrm>
             <a:off x="11037354" y="1728527"/>
             <a:ext cx="2096633" cy="1147430"/>
           </a:xfrm>
@@ -3402,9 +3433,9 @@
             <a:gdLst/>
             <a:ahLst/>
             <a:cxnLst/>
-            <a:rect r="r" b="b" t="t" l="l"/>
+            <a:rect l="l" t="t" r="r" b="b"/>
             <a:pathLst>
-              <a:path h="1147430" w="2096633">
+              <a:path w="2096633" h="1147430">
                 <a:moveTo>
                   <a:pt x="0" y="0"/>
                 </a:moveTo>
@@ -3433,19 +3464,26 @@
               </a:extLst>
             </a:blip>
             <a:stretch>
-              <a:fillRect l="0" t="0" r="0" b="0"/>
+              <a:fillRect/>
             </a:stretch>
           </a:blipFill>
         </p:spPr>
-      </p:sp>
-      <p:sp>
-        <p:nvSpPr>
-          <p:cNvPr name="Freeform 9" id="9"/>
+        <p:txBody>
+          <a:bodyPr/>
+          <a:lstStyle/>
+          <a:p>
+            <a:endParaRPr lang="en-US"/>
+          </a:p>
+        </p:txBody>
+      </p:sp>
+      <p:sp>
+        <p:nvSpPr>
+          <p:cNvPr id="9" name="Freeform 9"/>
           <p:cNvSpPr/>
           <p:nvPr/>
         </p:nvSpPr>
         <p:spPr>
-          <a:xfrm flipH="false" flipV="false" rot="0">
+          <a:xfrm>
             <a:off x="850154" y="8502147"/>
             <a:ext cx="2096633" cy="1147430"/>
           </a:xfrm>
@@ -3454,9 +3492,9 @@
             <a:gdLst/>
             <a:ahLst/>
             <a:cxnLst/>
-            <a:rect r="r" b="b" t="t" l="l"/>
+            <a:rect l="l" t="t" r="r" b="b"/>
             <a:pathLst>
-              <a:path h="1147430" w="2096633">
+              <a:path w="2096633" h="1147430">
                 <a:moveTo>
                   <a:pt x="0" y="0"/>
                 </a:moveTo>
@@ -3485,19 +3523,26 @@
               </a:extLst>
             </a:blip>
             <a:stretch>
-              <a:fillRect l="0" t="0" r="0" b="0"/>
+              <a:fillRect/>
             </a:stretch>
           </a:blipFill>
         </p:spPr>
-      </p:sp>
-      <p:sp>
-        <p:nvSpPr>
-          <p:cNvPr name="TextBox 10" id="10"/>
-          <p:cNvSpPr txBox="true"/>
+        <p:txBody>
+          <a:bodyPr/>
+          <a:lstStyle/>
+          <a:p>
+            <a:endParaRPr lang="en-US"/>
+          </a:p>
+        </p:txBody>
+      </p:sp>
+      <p:sp>
+        <p:nvSpPr>
+          <p:cNvPr id="10" name="TextBox 10"/>
+          <p:cNvSpPr txBox="1"/>
           <p:nvPr/>
         </p:nvSpPr>
         <p:spPr>
-          <a:xfrm rot="0">
+          <a:xfrm>
             <a:off x="1007464" y="6445853"/>
             <a:ext cx="6474391" cy="472958"/>
           </a:xfrm>
@@ -3506,18 +3551,18 @@
           </a:prstGeom>
         </p:spPr>
         <p:txBody>
-          <a:bodyPr anchor="t" rtlCol="false" tIns="0" lIns="0" bIns="0" rIns="0">
+          <a:bodyPr lIns="0" tIns="0" rIns="0" bIns="0" rtlCol="0" anchor="t">
             <a:spAutoFit/>
           </a:bodyPr>
           <a:lstStyle/>
           <a:p>
-            <a:pPr algn="l" marL="0" indent="0" lvl="0">
+            <a:pPr marL="0" lvl="0" indent="0" algn="l">
               <a:lnSpc>
                 <a:spcPts val="3458"/>
               </a:lnSpc>
             </a:pPr>
             <a:r>
-              <a:rPr lang="en-US" b="true" sz="3759" spc="-109">
+              <a:rPr lang="en-US" sz="3759" b="1" spc="-109">
                 <a:solidFill>
                   <a:srgbClr val="FFFFFF"/>
                 </a:solidFill>
@@ -3540,13 +3585,14 @@
 </file>
 
 <file path=ppt/slides/slide2.xml><?xml version="1.0" encoding="utf-8"?>
-<p:sld xmlns:p="http://schemas.openxmlformats.org/presentationml/2006/main" xmlns:a="http://schemas.openxmlformats.org/drawingml/2006/main" xmlns:r="http://schemas.openxmlformats.org/officeDocument/2006/relationships">
+<p:sld xmlns:a="http://schemas.openxmlformats.org/drawingml/2006/main" xmlns:r="http://schemas.openxmlformats.org/officeDocument/2006/relationships" xmlns:p="http://schemas.openxmlformats.org/presentationml/2006/main">
   <p:cSld>
     <p:bg>
       <p:bgPr>
         <a:solidFill>
           <a:srgbClr val="0DA24D"/>
         </a:solidFill>
+        <a:effectLst/>
       </p:bgPr>
     </p:bg>
     <p:spTree>
@@ -3565,12 +3611,12 @@
       </p:grpSpPr>
       <p:sp>
         <p:nvSpPr>
-          <p:cNvPr name="Freeform 2" id="2"/>
+          <p:cNvPr id="2" name="Freeform 2"/>
           <p:cNvSpPr/>
           <p:nvPr/>
         </p:nvSpPr>
         <p:spPr>
-          <a:xfrm flipH="false" flipV="false" rot="0">
+          <a:xfrm>
             <a:off x="147370" y="-3467413"/>
             <a:ext cx="17648030" cy="15528374"/>
           </a:xfrm>
@@ -3579,9 +3625,9 @@
             <a:gdLst/>
             <a:ahLst/>
             <a:cxnLst/>
-            <a:rect r="r" b="b" t="t" l="l"/>
+            <a:rect l="l" t="t" r="r" b="b"/>
             <a:pathLst>
-              <a:path h="15528374" w="17648030">
+              <a:path w="17648030" h="15528374">
                 <a:moveTo>
                   <a:pt x="0" y="0"/>
                 </a:moveTo>
@@ -3610,19 +3656,26 @@
               </a:extLst>
             </a:blip>
             <a:stretch>
-              <a:fillRect l="0" t="0" r="0" b="0"/>
+              <a:fillRect/>
             </a:stretch>
           </a:blipFill>
         </p:spPr>
-      </p:sp>
-      <p:sp>
-        <p:nvSpPr>
-          <p:cNvPr name="Freeform 3" id="3"/>
+        <p:txBody>
+          <a:bodyPr/>
+          <a:lstStyle/>
+          <a:p>
+            <a:endParaRPr lang="en-US"/>
+          </a:p>
+        </p:txBody>
+      </p:sp>
+      <p:sp>
+        <p:nvSpPr>
+          <p:cNvPr id="3" name="Freeform 3"/>
           <p:cNvSpPr/>
           <p:nvPr/>
         </p:nvSpPr>
         <p:spPr>
-          <a:xfrm flipH="false" flipV="false" rot="0">
+          <a:xfrm>
             <a:off x="4046553" y="3328104"/>
             <a:ext cx="10238021" cy="5156240"/>
           </a:xfrm>
@@ -3631,9 +3684,9 @@
             <a:gdLst/>
             <a:ahLst/>
             <a:cxnLst/>
-            <a:rect r="r" b="b" t="t" l="l"/>
+            <a:rect l="l" t="t" r="r" b="b"/>
             <a:pathLst>
-              <a:path h="5156240" w="10238021">
+              <a:path w="10238021" h="5156240">
                 <a:moveTo>
                   <a:pt x="0" y="0"/>
                 </a:moveTo>
@@ -3662,19 +3715,26 @@
               </a:extLst>
             </a:blip>
             <a:stretch>
-              <a:fillRect l="0" t="0" r="0" b="0"/>
+              <a:fillRect/>
             </a:stretch>
           </a:blipFill>
         </p:spPr>
-      </p:sp>
-      <p:sp>
-        <p:nvSpPr>
-          <p:cNvPr name="Freeform 4" id="4"/>
+        <p:txBody>
+          <a:bodyPr/>
+          <a:lstStyle/>
+          <a:p>
+            <a:endParaRPr lang="en-US"/>
+          </a:p>
+        </p:txBody>
+      </p:sp>
+      <p:sp>
+        <p:nvSpPr>
+          <p:cNvPr id="4" name="Freeform 4"/>
           <p:cNvSpPr/>
           <p:nvPr/>
         </p:nvSpPr>
         <p:spPr>
-          <a:xfrm flipH="false" flipV="false" rot="416481">
+          <a:xfrm rot="416481">
             <a:off x="-1405734" y="3183068"/>
             <a:ext cx="4990489" cy="5228131"/>
           </a:xfrm>
@@ -3683,9 +3743,9 @@
             <a:gdLst/>
             <a:ahLst/>
             <a:cxnLst/>
-            <a:rect r="r" b="b" t="t" l="l"/>
+            <a:rect l="l" t="t" r="r" b="b"/>
             <a:pathLst>
-              <a:path h="5228131" w="4990489">
+              <a:path w="4990489" h="5228131">
                 <a:moveTo>
                   <a:pt x="0" y="0"/>
                 </a:moveTo>
@@ -3714,19 +3774,26 @@
               </a:extLst>
             </a:blip>
             <a:stretch>
-              <a:fillRect l="0" t="0" r="0" b="0"/>
+              <a:fillRect/>
             </a:stretch>
           </a:blipFill>
         </p:spPr>
-      </p:sp>
-      <p:sp>
-        <p:nvSpPr>
-          <p:cNvPr name="Freeform 5" id="5"/>
+        <p:txBody>
+          <a:bodyPr/>
+          <a:lstStyle/>
+          <a:p>
+            <a:endParaRPr lang="en-US"/>
+          </a:p>
+        </p:txBody>
+      </p:sp>
+      <p:sp>
+        <p:nvSpPr>
+          <p:cNvPr id="5" name="Freeform 5"/>
           <p:cNvSpPr/>
           <p:nvPr/>
         </p:nvSpPr>
         <p:spPr>
-          <a:xfrm flipH="false" flipV="false" rot="-176228">
+          <a:xfrm rot="-176228">
             <a:off x="14424044" y="2817031"/>
             <a:ext cx="5837524" cy="5593409"/>
           </a:xfrm>
@@ -3735,9 +3802,9 @@
             <a:gdLst/>
             <a:ahLst/>
             <a:cxnLst/>
-            <a:rect r="r" b="b" t="t" l="l"/>
+            <a:rect l="l" t="t" r="r" b="b"/>
             <a:pathLst>
-              <a:path h="5593409" w="5837524">
+              <a:path w="5837524" h="5593409">
                 <a:moveTo>
                   <a:pt x="0" y="0"/>
                 </a:moveTo>
@@ -3766,19 +3833,26 @@
               </a:extLst>
             </a:blip>
             <a:stretch>
-              <a:fillRect l="0" t="0" r="0" b="0"/>
+              <a:fillRect/>
             </a:stretch>
           </a:blipFill>
         </p:spPr>
-      </p:sp>
-      <p:sp>
-        <p:nvSpPr>
-          <p:cNvPr name="TextBox 6" id="6"/>
-          <p:cNvSpPr txBox="true"/>
+        <p:txBody>
+          <a:bodyPr/>
+          <a:lstStyle/>
+          <a:p>
+            <a:endParaRPr lang="en-US"/>
+          </a:p>
+        </p:txBody>
+      </p:sp>
+      <p:sp>
+        <p:nvSpPr>
+          <p:cNvPr id="6" name="TextBox 6"/>
+          <p:cNvSpPr txBox="1"/>
           <p:nvPr/>
         </p:nvSpPr>
         <p:spPr>
-          <a:xfrm rot="0">
+          <a:xfrm>
             <a:off x="302444" y="1385687"/>
             <a:ext cx="17726239" cy="1286382"/>
           </a:xfrm>
@@ -3787,18 +3861,18 @@
           </a:prstGeom>
         </p:spPr>
         <p:txBody>
-          <a:bodyPr anchor="t" rtlCol="false" tIns="0" lIns="0" bIns="0" rIns="0">
+          <a:bodyPr lIns="0" tIns="0" rIns="0" bIns="0" rtlCol="0" anchor="t">
             <a:spAutoFit/>
           </a:bodyPr>
           <a:lstStyle/>
           <a:p>
-            <a:pPr algn="ctr" marL="0" indent="0" lvl="0">
+            <a:pPr marL="0" lvl="0" indent="0" algn="ctr">
               <a:lnSpc>
                 <a:spcPts val="9775"/>
               </a:lnSpc>
             </a:pPr>
             <a:r>
-              <a:rPr lang="en-US" b="true" sz="9399" spc="-695">
+              <a:rPr lang="en-US" sz="9399" b="1" spc="-695">
                 <a:solidFill>
                   <a:srgbClr val="FFFFFF"/>
                 </a:solidFill>
@@ -3814,12 +3888,12 @@
       </p:sp>
       <p:sp>
         <p:nvSpPr>
-          <p:cNvPr name="Freeform 7" id="7"/>
+          <p:cNvPr id="7" name="Freeform 7"/>
           <p:cNvSpPr/>
           <p:nvPr/>
         </p:nvSpPr>
         <p:spPr>
-          <a:xfrm flipH="false" flipV="false" rot="0">
+          <a:xfrm>
             <a:off x="12671554" y="4116662"/>
             <a:ext cx="1778439" cy="973291"/>
           </a:xfrm>
@@ -3828,9 +3902,9 @@
             <a:gdLst/>
             <a:ahLst/>
             <a:cxnLst/>
-            <a:rect r="r" b="b" t="t" l="l"/>
+            <a:rect l="l" t="t" r="r" b="b"/>
             <a:pathLst>
-              <a:path h="973291" w="1778439">
+              <a:path w="1778439" h="973291">
                 <a:moveTo>
                   <a:pt x="0" y="0"/>
                 </a:moveTo>
@@ -3859,19 +3933,26 @@
               </a:extLst>
             </a:blip>
             <a:stretch>
-              <a:fillRect l="0" t="0" r="0" b="0"/>
+              <a:fillRect/>
             </a:stretch>
           </a:blipFill>
         </p:spPr>
-      </p:sp>
-      <p:sp>
-        <p:nvSpPr>
-          <p:cNvPr name="Freeform 8" id="8"/>
+        <p:txBody>
+          <a:bodyPr/>
+          <a:lstStyle/>
+          <a:p>
+            <a:endParaRPr lang="en-US"/>
+          </a:p>
+        </p:txBody>
+      </p:sp>
+      <p:sp>
+        <p:nvSpPr>
+          <p:cNvPr id="8" name="Freeform 8"/>
           <p:cNvSpPr/>
           <p:nvPr/>
         </p:nvSpPr>
         <p:spPr>
-          <a:xfrm flipH="false" flipV="false" rot="0">
+          <a:xfrm>
             <a:off x="3882385" y="3630016"/>
             <a:ext cx="1778439" cy="973291"/>
           </a:xfrm>
@@ -3880,9 +3961,9 @@
             <a:gdLst/>
             <a:ahLst/>
             <a:cxnLst/>
-            <a:rect r="r" b="b" t="t" l="l"/>
+            <a:rect l="l" t="t" r="r" b="b"/>
             <a:pathLst>
-              <a:path h="973291" w="1778439">
+              <a:path w="1778439" h="973291">
                 <a:moveTo>
                   <a:pt x="0" y="0"/>
                 </a:moveTo>
@@ -3911,10 +3992,17 @@
               </a:extLst>
             </a:blip>
             <a:stretch>
-              <a:fillRect l="0" t="0" r="0" b="0"/>
+              <a:fillRect/>
             </a:stretch>
           </a:blipFill>
         </p:spPr>
+        <p:txBody>
+          <a:bodyPr/>
+          <a:lstStyle/>
+          <a:p>
+            <a:endParaRPr lang="en-US"/>
+          </a:p>
+        </p:txBody>
       </p:sp>
     </p:spTree>
   </p:cSld>
@@ -3925,13 +4013,14 @@
 </file>
 
 <file path=ppt/slides/slide3.xml><?xml version="1.0" encoding="utf-8"?>
-<p:sld xmlns:p="http://schemas.openxmlformats.org/presentationml/2006/main" xmlns:a="http://schemas.openxmlformats.org/drawingml/2006/main" xmlns:r="http://schemas.openxmlformats.org/officeDocument/2006/relationships">
+<p:sld xmlns:a="http://schemas.openxmlformats.org/drawingml/2006/main" xmlns:r="http://schemas.openxmlformats.org/officeDocument/2006/relationships" xmlns:p="http://schemas.openxmlformats.org/presentationml/2006/main">
   <p:cSld>
     <p:bg>
       <p:bgPr>
         <a:solidFill>
           <a:srgbClr val="0DA24D"/>
         </a:solidFill>
+        <a:effectLst/>
       </p:bgPr>
     </p:bg>
     <p:spTree>
@@ -3950,12 +4039,12 @@
       </p:grpSpPr>
       <p:sp>
         <p:nvSpPr>
-          <p:cNvPr name="Freeform 2" id="2"/>
+          <p:cNvPr id="2" name="Freeform 2"/>
           <p:cNvSpPr/>
           <p:nvPr/>
         </p:nvSpPr>
         <p:spPr>
-          <a:xfrm flipH="false" flipV="false" rot="0">
+          <a:xfrm>
             <a:off x="4416595" y="-3932751"/>
             <a:ext cx="18473303" cy="16254526"/>
           </a:xfrm>
@@ -3964,9 +4053,9 @@
             <a:gdLst/>
             <a:ahLst/>
             <a:cxnLst/>
-            <a:rect r="r" b="b" t="t" l="l"/>
+            <a:rect l="l" t="t" r="r" b="b"/>
             <a:pathLst>
-              <a:path h="16254526" w="18473303">
+              <a:path w="18473303" h="16254526">
                 <a:moveTo>
                   <a:pt x="0" y="0"/>
                 </a:moveTo>
@@ -3995,19 +4084,26 @@
               </a:extLst>
             </a:blip>
             <a:stretch>
-              <a:fillRect l="0" t="0" r="0" b="0"/>
+              <a:fillRect/>
             </a:stretch>
           </a:blipFill>
         </p:spPr>
-      </p:sp>
-      <p:sp>
-        <p:nvSpPr>
-          <p:cNvPr name="Freeform 3" id="3"/>
+        <p:txBody>
+          <a:bodyPr/>
+          <a:lstStyle/>
+          <a:p>
+            <a:endParaRPr lang="en-US"/>
+          </a:p>
+        </p:txBody>
+      </p:sp>
+      <p:sp>
+        <p:nvSpPr>
+          <p:cNvPr id="3" name="Freeform 3"/>
           <p:cNvSpPr/>
           <p:nvPr/>
         </p:nvSpPr>
         <p:spPr>
-          <a:xfrm flipH="false" flipV="false" rot="0">
+          <a:xfrm>
             <a:off x="-5301681" y="1423496"/>
             <a:ext cx="9887368" cy="9168287"/>
           </a:xfrm>
@@ -4016,9 +4112,9 @@
             <a:gdLst/>
             <a:ahLst/>
             <a:cxnLst/>
-            <a:rect r="r" b="b" t="t" l="l"/>
+            <a:rect l="l" t="t" r="r" b="b"/>
             <a:pathLst>
-              <a:path h="9168287" w="9887368">
+              <a:path w="9887368" h="9168287">
                 <a:moveTo>
                   <a:pt x="0" y="0"/>
                 </a:moveTo>
@@ -4047,19 +4143,26 @@
               </a:extLst>
             </a:blip>
             <a:stretch>
-              <a:fillRect l="0" t="0" r="0" b="0"/>
+              <a:fillRect/>
             </a:stretch>
           </a:blipFill>
         </p:spPr>
-      </p:sp>
-      <p:sp>
-        <p:nvSpPr>
-          <p:cNvPr name="Freeform 4" id="4"/>
+        <p:txBody>
+          <a:bodyPr/>
+          <a:lstStyle/>
+          <a:p>
+            <a:endParaRPr lang="en-US"/>
+          </a:p>
+        </p:txBody>
+      </p:sp>
+      <p:sp>
+        <p:nvSpPr>
+          <p:cNvPr id="4" name="Freeform 4"/>
           <p:cNvSpPr/>
           <p:nvPr/>
         </p:nvSpPr>
         <p:spPr>
-          <a:xfrm flipH="false" flipV="false" rot="0">
+          <a:xfrm>
             <a:off x="2640793" y="4624066"/>
             <a:ext cx="5108479" cy="7697709"/>
           </a:xfrm>
@@ -4068,9 +4171,9 @@
             <a:gdLst/>
             <a:ahLst/>
             <a:cxnLst/>
-            <a:rect r="r" b="b" t="t" l="l"/>
+            <a:rect l="l" t="t" r="r" b="b"/>
             <a:pathLst>
-              <a:path h="7697709" w="5108479">
+              <a:path w="5108479" h="7697709">
                 <a:moveTo>
                   <a:pt x="0" y="0"/>
                 </a:moveTo>
@@ -4099,19 +4202,26 @@
               </a:extLst>
             </a:blip>
             <a:stretch>
-              <a:fillRect l="0" t="0" r="0" b="0"/>
+              <a:fillRect/>
             </a:stretch>
           </a:blipFill>
         </p:spPr>
-      </p:sp>
-      <p:sp>
-        <p:nvSpPr>
-          <p:cNvPr name="Freeform 5" id="5"/>
+        <p:txBody>
+          <a:bodyPr/>
+          <a:lstStyle/>
+          <a:p>
+            <a:endParaRPr lang="en-US"/>
+          </a:p>
+        </p:txBody>
+      </p:sp>
+      <p:sp>
+        <p:nvSpPr>
+          <p:cNvPr id="5" name="Freeform 5"/>
           <p:cNvSpPr/>
           <p:nvPr/>
         </p:nvSpPr>
         <p:spPr>
-          <a:xfrm flipH="false" flipV="false" rot="-350158">
+          <a:xfrm rot="-350158">
             <a:off x="4145843" y="840204"/>
             <a:ext cx="3444556" cy="3300511"/>
           </a:xfrm>
@@ -4120,9 +4230,9 @@
             <a:gdLst/>
             <a:ahLst/>
             <a:cxnLst/>
-            <a:rect r="r" b="b" t="t" l="l"/>
+            <a:rect l="l" t="t" r="r" b="b"/>
             <a:pathLst>
-              <a:path h="3300511" w="3444556">
+              <a:path w="3444556" h="3300511">
                 <a:moveTo>
                   <a:pt x="0" y="0"/>
                 </a:moveTo>
@@ -4151,19 +4261,26 @@
               </a:extLst>
             </a:blip>
             <a:stretch>
-              <a:fillRect l="0" t="0" r="0" b="0"/>
+              <a:fillRect/>
             </a:stretch>
           </a:blipFill>
         </p:spPr>
-      </p:sp>
-      <p:sp>
-        <p:nvSpPr>
-          <p:cNvPr name="Freeform 6" id="6"/>
+        <p:txBody>
+          <a:bodyPr/>
+          <a:lstStyle/>
+          <a:p>
+            <a:endParaRPr lang="en-US"/>
+          </a:p>
+        </p:txBody>
+      </p:sp>
+      <p:sp>
+        <p:nvSpPr>
+          <p:cNvPr id="6" name="Freeform 6"/>
           <p:cNvSpPr/>
           <p:nvPr/>
         </p:nvSpPr>
         <p:spPr>
-          <a:xfrm flipH="false" flipV="false" rot="0">
+          <a:xfrm>
             <a:off x="10217241" y="6892584"/>
             <a:ext cx="7774650" cy="6120770"/>
           </a:xfrm>
@@ -4172,9 +4289,9 @@
             <a:gdLst/>
             <a:ahLst/>
             <a:cxnLst/>
-            <a:rect r="r" b="b" t="t" l="l"/>
+            <a:rect l="l" t="t" r="r" b="b"/>
             <a:pathLst>
-              <a:path h="6120770" w="7774650">
+              <a:path w="7774650" h="6120770">
                 <a:moveTo>
                   <a:pt x="0" y="0"/>
                 </a:moveTo>
@@ -4203,19 +4320,26 @@
               </a:extLst>
             </a:blip>
             <a:stretch>
-              <a:fillRect l="0" t="0" r="0" b="0"/>
+              <a:fillRect/>
             </a:stretch>
           </a:blipFill>
         </p:spPr>
-      </p:sp>
-      <p:sp>
-        <p:nvSpPr>
-          <p:cNvPr name="TextBox 7" id="7"/>
-          <p:cNvSpPr txBox="true"/>
+        <p:txBody>
+          <a:bodyPr/>
+          <a:lstStyle/>
+          <a:p>
+            <a:endParaRPr lang="en-US"/>
+          </a:p>
+        </p:txBody>
+      </p:sp>
+      <p:sp>
+        <p:nvSpPr>
+          <p:cNvPr id="7" name="TextBox 7"/>
+          <p:cNvSpPr txBox="1"/>
           <p:nvPr/>
         </p:nvSpPr>
         <p:spPr>
-          <a:xfrm rot="0">
+          <a:xfrm>
             <a:off x="8644209" y="1162050"/>
             <a:ext cx="7541003" cy="2472945"/>
           </a:xfrm>
@@ -4224,7 +4348,7 @@
           </a:prstGeom>
         </p:spPr>
         <p:txBody>
-          <a:bodyPr anchor="t" rtlCol="false" tIns="0" lIns="0" bIns="0" rIns="0">
+          <a:bodyPr lIns="0" tIns="0" rIns="0" bIns="0" rtlCol="0" anchor="t">
             <a:spAutoFit/>
           </a:bodyPr>
           <a:lstStyle/>
@@ -4235,7 +4359,7 @@
               </a:lnSpc>
             </a:pPr>
             <a:r>
-              <a:rPr lang="en-US" sz="9200" spc="-680" b="true">
+              <a:rPr lang="en-US" sz="9200" b="1" spc="-680">
                 <a:solidFill>
                   <a:srgbClr val="FFFFFF"/>
                 </a:solidFill>
@@ -4248,13 +4372,13 @@
             </a:r>
           </a:p>
           <a:p>
-            <a:pPr algn="l" marL="0" indent="0" lvl="0">
+            <a:pPr marL="0" lvl="0" indent="0" algn="l">
               <a:lnSpc>
                 <a:spcPts val="9568"/>
               </a:lnSpc>
             </a:pPr>
             <a:r>
-              <a:rPr lang="en-US" b="true" sz="9200" spc="-680">
+              <a:rPr lang="en-US" sz="9200" b="1" spc="-680">
                 <a:solidFill>
                   <a:srgbClr val="FFFFFF"/>
                 </a:solidFill>
@@ -4270,12 +4394,12 @@
       </p:sp>
       <p:sp>
         <p:nvSpPr>
-          <p:cNvPr name="TextBox 8" id="8"/>
-          <p:cNvSpPr txBox="true"/>
+          <p:cNvPr id="8" name="TextBox 8"/>
+          <p:cNvSpPr txBox="1"/>
           <p:nvPr/>
         </p:nvSpPr>
         <p:spPr>
-          <a:xfrm rot="0">
+          <a:xfrm>
             <a:off x="8644209" y="3858476"/>
             <a:ext cx="8428600" cy="3302000"/>
           </a:xfrm>
@@ -4284,7 +4408,7 @@
           </a:prstGeom>
         </p:spPr>
         <p:txBody>
-          <a:bodyPr anchor="t" rtlCol="false" tIns="0" lIns="0" bIns="0" rIns="0">
+          <a:bodyPr lIns="0" tIns="0" rIns="0" bIns="0" rtlCol="0" anchor="t">
             <a:spAutoFit/>
           </a:bodyPr>
           <a:lstStyle/>
@@ -4295,7 +4419,7 @@
               </a:lnSpc>
             </a:pPr>
             <a:r>
-              <a:rPr lang="en-US" sz="2499" spc="-72" b="true">
+              <a:rPr lang="en-US" sz="2499" b="1" spc="-72">
                 <a:solidFill>
                   <a:srgbClr val="FFFFFF"/>
                 </a:solidFill>
@@ -4314,7 +4438,7 @@
               </a:lnSpc>
             </a:pPr>
             <a:r>
-              <a:rPr lang="en-US" sz="2499" spc="-72" b="true">
+              <a:rPr lang="en-US" sz="2499" b="1" spc="-72">
                 <a:solidFill>
                   <a:srgbClr val="FFFFFF"/>
                 </a:solidFill>
@@ -4326,7 +4450,7 @@
               <a:t>The difference? </a:t>
             </a:r>
             <a:r>
-              <a:rPr lang="en-US" sz="2499" spc="-72" b="true">
+              <a:rPr lang="en-US" sz="2499" b="1" spc="-72">
                 <a:solidFill>
                   <a:srgbClr val="FFFFFF"/>
                 </a:solidFill>
@@ -4338,7 +4462,7 @@
               <a:t>Timing</a:t>
             </a:r>
             <a:r>
-              <a:rPr lang="en-US" sz="2499" spc="-72" b="true">
+              <a:rPr lang="en-US" sz="2499" b="1" spc="-72">
                 <a:solidFill>
                   <a:srgbClr val="FFFFFF"/>
                 </a:solidFill>
@@ -4356,6 +4480,15 @@
                 <a:spcPts val="3249"/>
               </a:lnSpc>
             </a:pPr>
+            <a:endParaRPr lang="en-US" sz="2499" b="1" spc="-72">
+              <a:solidFill>
+                <a:srgbClr val="FFFFFF"/>
+              </a:solidFill>
+              <a:latin typeface="Inter Medium"/>
+              <a:ea typeface="Inter Medium"/>
+              <a:cs typeface="Inter Medium"/>
+              <a:sym typeface="Inter Medium"/>
+            </a:endParaRPr>
           </a:p>
           <a:p>
             <a:pPr algn="l">
@@ -4364,7 +4497,7 @@
               </a:lnSpc>
             </a:pPr>
             <a:r>
-              <a:rPr lang="en-US" sz="2499" spc="-72" b="true">
+              <a:rPr lang="en-US" sz="2499" b="1" spc="-72">
                 <a:solidFill>
                   <a:srgbClr val="FFFFFF"/>
                 </a:solidFill>
@@ -4376,7 +4509,7 @@
               <a:t>AgroProphet predicts your crop’s </a:t>
             </a:r>
             <a:r>
-              <a:rPr lang="en-US" sz="2499" spc="-72" b="true">
+              <a:rPr lang="en-US" sz="2499" b="1" spc="-72">
                 <a:solidFill>
                   <a:srgbClr val="FFFFFF"/>
                 </a:solidFill>
@@ -4388,7 +4521,7 @@
               <a:t>peak price </a:t>
             </a:r>
             <a:r>
-              <a:rPr lang="en-US" sz="2499" spc="-72" b="true">
+              <a:rPr lang="en-US" sz="2499" b="1" spc="-72">
                 <a:solidFill>
                   <a:srgbClr val="FFFFFF"/>
                 </a:solidFill>
@@ -4406,6 +4539,15 @@
                 <a:spcPts val="3249"/>
               </a:lnSpc>
             </a:pPr>
+            <a:endParaRPr lang="en-US" sz="2499" b="1" spc="-72">
+              <a:solidFill>
+                <a:srgbClr val="FFFFFF"/>
+              </a:solidFill>
+              <a:latin typeface="Inter Medium"/>
+              <a:ea typeface="Inter Medium"/>
+              <a:cs typeface="Inter Medium"/>
+              <a:sym typeface="Inter Medium"/>
+            </a:endParaRPr>
           </a:p>
           <a:p>
             <a:pPr algn="l">
@@ -4414,7 +4556,7 @@
               </a:lnSpc>
             </a:pPr>
             <a:r>
-              <a:rPr lang="en-US" sz="2499" spc="-72" b="true">
+              <a:rPr lang="en-US" sz="2499" b="1" spc="-72">
                 <a:solidFill>
                   <a:srgbClr val="FFFFFF"/>
                 </a:solidFill>
@@ -4427,13 +4569,13 @@
             </a:r>
           </a:p>
           <a:p>
-            <a:pPr algn="l" marL="0" indent="0" lvl="0">
+            <a:pPr marL="0" lvl="0" indent="0" algn="l">
               <a:lnSpc>
                 <a:spcPts val="3249"/>
               </a:lnSpc>
             </a:pPr>
             <a:r>
-              <a:rPr lang="en-US" b="true" sz="2499" spc="-72">
+              <a:rPr lang="en-US" sz="2499" b="1" spc="-72">
                 <a:solidFill>
                   <a:srgbClr val="FFFFFF"/>
                 </a:solidFill>
@@ -4449,12 +4591,12 @@
       </p:sp>
       <p:sp>
         <p:nvSpPr>
-          <p:cNvPr name="Freeform 9" id="9"/>
+          <p:cNvPr id="9" name="Freeform 9"/>
           <p:cNvSpPr/>
           <p:nvPr/>
         </p:nvSpPr>
         <p:spPr>
-          <a:xfrm flipH="false" flipV="false" rot="0">
+          <a:xfrm>
             <a:off x="2556644" y="917523"/>
             <a:ext cx="1849070" cy="1011946"/>
           </a:xfrm>
@@ -4463,9 +4605,9 @@
             <a:gdLst/>
             <a:ahLst/>
             <a:cxnLst/>
-            <a:rect r="r" b="b" t="t" l="l"/>
+            <a:rect l="l" t="t" r="r" b="b"/>
             <a:pathLst>
-              <a:path h="1011946" w="1849070">
+              <a:path w="1849070" h="1011946">
                 <a:moveTo>
                   <a:pt x="0" y="0"/>
                 </a:moveTo>
@@ -4494,10 +4636,17 @@
               </a:extLst>
             </a:blip>
             <a:stretch>
-              <a:fillRect l="0" t="0" r="0" b="0"/>
+              <a:fillRect/>
             </a:stretch>
           </a:blipFill>
         </p:spPr>
+        <p:txBody>
+          <a:bodyPr/>
+          <a:lstStyle/>
+          <a:p>
+            <a:endParaRPr lang="en-US"/>
+          </a:p>
+        </p:txBody>
       </p:sp>
     </p:spTree>
   </p:cSld>
@@ -4508,13 +4657,14 @@
 </file>
 
 <file path=ppt/slides/slide4.xml><?xml version="1.0" encoding="utf-8"?>
-<p:sld xmlns:p="http://schemas.openxmlformats.org/presentationml/2006/main" xmlns:a="http://schemas.openxmlformats.org/drawingml/2006/main" xmlns:r="http://schemas.openxmlformats.org/officeDocument/2006/relationships">
+<p:sld xmlns:a="http://schemas.openxmlformats.org/drawingml/2006/main" xmlns:r="http://schemas.openxmlformats.org/officeDocument/2006/relationships" xmlns:p="http://schemas.openxmlformats.org/presentationml/2006/main">
   <p:cSld>
     <p:bg>
       <p:bgPr>
         <a:solidFill>
           <a:srgbClr val="0DA24D"/>
         </a:solidFill>
+        <a:effectLst/>
       </p:bgPr>
     </p:bg>
     <p:spTree>
@@ -4533,12 +4683,12 @@
       </p:grpSpPr>
       <p:sp>
         <p:nvSpPr>
-          <p:cNvPr name="Freeform 2" id="2"/>
+          <p:cNvPr id="2" name="Freeform 2"/>
           <p:cNvSpPr/>
           <p:nvPr/>
         </p:nvSpPr>
         <p:spPr>
-          <a:xfrm flipH="false" flipV="false" rot="0">
+          <a:xfrm>
             <a:off x="-2150610" y="5003983"/>
             <a:ext cx="8651208" cy="6260328"/>
           </a:xfrm>
@@ -4547,9 +4697,9 @@
             <a:gdLst/>
             <a:ahLst/>
             <a:cxnLst/>
-            <a:rect r="r" b="b" t="t" l="l"/>
+            <a:rect l="l" t="t" r="r" b="b"/>
             <a:pathLst>
-              <a:path h="6260328" w="8651208">
+              <a:path w="8651208" h="6260328">
                 <a:moveTo>
                   <a:pt x="0" y="0"/>
                 </a:moveTo>
@@ -4578,19 +4728,26 @@
               </a:extLst>
             </a:blip>
             <a:stretch>
-              <a:fillRect l="0" t="0" r="0" b="0"/>
+              <a:fillRect/>
             </a:stretch>
           </a:blipFill>
         </p:spPr>
-      </p:sp>
-      <p:sp>
-        <p:nvSpPr>
-          <p:cNvPr name="Freeform 3" id="3"/>
+        <p:txBody>
+          <a:bodyPr/>
+          <a:lstStyle/>
+          <a:p>
+            <a:endParaRPr lang="en-US"/>
+          </a:p>
+        </p:txBody>
+      </p:sp>
+      <p:sp>
+        <p:nvSpPr>
+          <p:cNvPr id="3" name="Freeform 3"/>
           <p:cNvSpPr/>
           <p:nvPr/>
         </p:nvSpPr>
         <p:spPr>
-          <a:xfrm flipH="false" flipV="false" rot="0">
+          <a:xfrm>
             <a:off x="7129597" y="-4283968"/>
             <a:ext cx="18473303" cy="16254526"/>
           </a:xfrm>
@@ -4599,9 +4756,9 @@
             <a:gdLst/>
             <a:ahLst/>
             <a:cxnLst/>
-            <a:rect r="r" b="b" t="t" l="l"/>
+            <a:rect l="l" t="t" r="r" b="b"/>
             <a:pathLst>
-              <a:path h="16254526" w="18473303">
+              <a:path w="18473303" h="16254526">
                 <a:moveTo>
                   <a:pt x="0" y="0"/>
                 </a:moveTo>
@@ -4630,19 +4787,26 @@
               </a:extLst>
             </a:blip>
             <a:stretch>
-              <a:fillRect l="0" t="0" r="0" b="0"/>
+              <a:fillRect/>
             </a:stretch>
           </a:blipFill>
         </p:spPr>
-      </p:sp>
-      <p:sp>
-        <p:nvSpPr>
-          <p:cNvPr name="Freeform 4" id="4"/>
+        <p:txBody>
+          <a:bodyPr/>
+          <a:lstStyle/>
+          <a:p>
+            <a:endParaRPr lang="en-US"/>
+          </a:p>
+        </p:txBody>
+      </p:sp>
+      <p:sp>
+        <p:nvSpPr>
+          <p:cNvPr id="4" name="Freeform 4"/>
           <p:cNvSpPr/>
           <p:nvPr/>
         </p:nvSpPr>
         <p:spPr>
-          <a:xfrm flipH="false" flipV="false" rot="-265225">
+          <a:xfrm rot="-265225">
             <a:off x="17258023" y="-617957"/>
             <a:ext cx="1436439" cy="4114800"/>
           </a:xfrm>
@@ -4651,9 +4815,9 @@
             <a:gdLst/>
             <a:ahLst/>
             <a:cxnLst/>
-            <a:rect r="r" b="b" t="t" l="l"/>
+            <a:rect l="l" t="t" r="r" b="b"/>
             <a:pathLst>
-              <a:path h="4114800" w="1436439">
+              <a:path w="1436439" h="4114800">
                 <a:moveTo>
                   <a:pt x="0" y="0"/>
                 </a:moveTo>
@@ -4682,19 +4846,26 @@
               </a:extLst>
             </a:blip>
             <a:stretch>
-              <a:fillRect l="0" t="0" r="0" b="0"/>
+              <a:fillRect/>
             </a:stretch>
           </a:blipFill>
         </p:spPr>
-      </p:sp>
-      <p:sp>
-        <p:nvSpPr>
-          <p:cNvPr name="Freeform 5" id="5"/>
+        <p:txBody>
+          <a:bodyPr/>
+          <a:lstStyle/>
+          <a:p>
+            <a:endParaRPr lang="en-US"/>
+          </a:p>
+        </p:txBody>
+      </p:sp>
+      <p:sp>
+        <p:nvSpPr>
+          <p:cNvPr id="5" name="Freeform 5"/>
           <p:cNvSpPr/>
           <p:nvPr/>
         </p:nvSpPr>
         <p:spPr>
-          <a:xfrm flipH="false" flipV="false" rot="407966">
+          <a:xfrm rot="407966">
             <a:off x="5261781" y="5283748"/>
             <a:ext cx="4906146" cy="3032890"/>
           </a:xfrm>
@@ -4703,9 +4874,9 @@
             <a:gdLst/>
             <a:ahLst/>
             <a:cxnLst/>
-            <a:rect r="r" b="b" t="t" l="l"/>
+            <a:rect l="l" t="t" r="r" b="b"/>
             <a:pathLst>
-              <a:path h="3032890" w="4906146">
+              <a:path w="4906146" h="3032890">
                 <a:moveTo>
                   <a:pt x="0" y="0"/>
                 </a:moveTo>
@@ -4734,19 +4905,26 @@
               </a:extLst>
             </a:blip>
             <a:stretch>
-              <a:fillRect l="0" t="0" r="0" b="0"/>
+              <a:fillRect/>
             </a:stretch>
           </a:blipFill>
         </p:spPr>
-      </p:sp>
-      <p:sp>
-        <p:nvSpPr>
-          <p:cNvPr name="Freeform 6" id="6"/>
+        <p:txBody>
+          <a:bodyPr/>
+          <a:lstStyle/>
+          <a:p>
+            <a:endParaRPr lang="en-US"/>
+          </a:p>
+        </p:txBody>
+      </p:sp>
+      <p:sp>
+        <p:nvSpPr>
+          <p:cNvPr id="6" name="Freeform 6"/>
           <p:cNvSpPr/>
           <p:nvPr/>
         </p:nvSpPr>
         <p:spPr>
-          <a:xfrm flipH="false" flipV="false" rot="-1753238">
+          <a:xfrm rot="-1753238">
             <a:off x="17236856" y="4648576"/>
             <a:ext cx="2102289" cy="4114800"/>
           </a:xfrm>
@@ -4755,9 +4933,9 @@
             <a:gdLst/>
             <a:ahLst/>
             <a:cxnLst/>
-            <a:rect r="r" b="b" t="t" l="l"/>
+            <a:rect l="l" t="t" r="r" b="b"/>
             <a:pathLst>
-              <a:path h="4114800" w="2102289">
+              <a:path w="2102289" h="4114800">
                 <a:moveTo>
                   <a:pt x="0" y="0"/>
                 </a:moveTo>
@@ -4786,19 +4964,26 @@
               </a:extLst>
             </a:blip>
             <a:stretch>
-              <a:fillRect l="0" t="0" r="0" b="0"/>
+              <a:fillRect/>
             </a:stretch>
           </a:blipFill>
         </p:spPr>
-      </p:sp>
-      <p:sp>
-        <p:nvSpPr>
-          <p:cNvPr name="TextBox 7" id="7"/>
-          <p:cNvSpPr txBox="true"/>
+        <p:txBody>
+          <a:bodyPr/>
+          <a:lstStyle/>
+          <a:p>
+            <a:endParaRPr lang="en-US"/>
+          </a:p>
+        </p:txBody>
+      </p:sp>
+      <p:sp>
+        <p:nvSpPr>
+          <p:cNvPr id="7" name="TextBox 7"/>
+          <p:cNvSpPr txBox="1"/>
           <p:nvPr/>
         </p:nvSpPr>
         <p:spPr>
-          <a:xfrm rot="0">
+          <a:xfrm>
             <a:off x="1028700" y="1223768"/>
             <a:ext cx="8774891" cy="3173479"/>
           </a:xfrm>
@@ -4807,7 +4992,7 @@
           </a:prstGeom>
         </p:spPr>
         <p:txBody>
-          <a:bodyPr anchor="t" rtlCol="false" tIns="0" lIns="0" bIns="0" rIns="0">
+          <a:bodyPr lIns="0" tIns="0" rIns="0" bIns="0" rtlCol="0" anchor="t">
             <a:spAutoFit/>
           </a:bodyPr>
           <a:lstStyle/>
@@ -4818,7 +5003,7 @@
               </a:lnSpc>
             </a:pPr>
             <a:r>
-              <a:rPr lang="en-US" sz="11800" spc="-873" b="true">
+              <a:rPr lang="en-US" sz="11800" b="1" spc="-873">
                 <a:solidFill>
                   <a:srgbClr val="FFFFFF"/>
                 </a:solidFill>
@@ -4831,13 +5016,13 @@
             </a:r>
           </a:p>
           <a:p>
-            <a:pPr algn="l" marL="0" indent="0" lvl="0">
+            <a:pPr marL="0" lvl="0" indent="0" algn="l">
               <a:lnSpc>
                 <a:spcPts val="12272"/>
               </a:lnSpc>
             </a:pPr>
             <a:r>
-              <a:rPr lang="en-US" b="true" sz="11800" spc="-873">
+              <a:rPr lang="en-US" sz="11800" b="1" spc="-873">
                 <a:solidFill>
                   <a:srgbClr val="FFFFFF"/>
                 </a:solidFill>
@@ -4853,32 +5038,32 @@
       </p:sp>
       <p:sp>
         <p:nvSpPr>
-          <p:cNvPr name="TextBox 8" id="8"/>
-          <p:cNvSpPr txBox="true"/>
+          <p:cNvPr id="8" name="TextBox 8"/>
+          <p:cNvSpPr txBox="1"/>
           <p:nvPr/>
         </p:nvSpPr>
         <p:spPr>
-          <a:xfrm rot="0">
-            <a:off x="10807257" y="1230715"/>
-            <a:ext cx="3809452" cy="465079"/>
+          <a:xfrm>
+            <a:off x="10807256" y="1230716"/>
+            <a:ext cx="4813743" cy="462772"/>
           </a:xfrm>
           <a:prstGeom prst="rect">
             <a:avLst/>
           </a:prstGeom>
         </p:spPr>
         <p:txBody>
-          <a:bodyPr anchor="t" rtlCol="false" tIns="0" lIns="0" bIns="0" rIns="0">
+          <a:bodyPr wrap="square" lIns="0" tIns="0" rIns="0" bIns="0" rtlCol="0" anchor="t">
             <a:spAutoFit/>
           </a:bodyPr>
           <a:lstStyle/>
           <a:p>
-            <a:pPr algn="l" marL="0" indent="0" lvl="0">
+            <a:pPr marL="0" lvl="0" indent="0" algn="l">
               <a:lnSpc>
                 <a:spcPts val="3504"/>
               </a:lnSpc>
             </a:pPr>
             <a:r>
-              <a:rPr lang="en-US" b="true" sz="3370" spc="-249">
+              <a:rPr lang="en-US" sz="3370" b="1" spc="-249" dirty="0">
                 <a:solidFill>
                   <a:srgbClr val="FFFFFF"/>
                 </a:solidFill>
@@ -4887,39 +5072,60 @@
                 <a:cs typeface="Bricolage Grotesque Bold"/>
                 <a:sym typeface="Bricolage Grotesque Bold"/>
               </a:rPr>
-              <a:t>Powered by XGBoost</a:t>
-            </a:r>
-          </a:p>
-        </p:txBody>
-      </p:sp>
-      <p:sp>
-        <p:nvSpPr>
-          <p:cNvPr name="TextBox 9" id="9"/>
-          <p:cNvSpPr txBox="true"/>
+              <a:t>Powered by </a:t>
+            </a:r>
+            <a:r>
+              <a:rPr lang="en-US" sz="3370" b="1" spc="-249" dirty="0" err="1">
+                <a:solidFill>
+                  <a:srgbClr val="FFFFFF"/>
+                </a:solidFill>
+                <a:latin typeface="Bricolage Grotesque Bold"/>
+                <a:ea typeface="Bricolage Grotesque Bold"/>
+                <a:cs typeface="Bricolage Grotesque Bold"/>
+                <a:sym typeface="Bricolage Grotesque Bold"/>
+              </a:rPr>
+              <a:t>XGBoost</a:t>
+            </a:r>
+            <a:endParaRPr lang="en-US" sz="3370" b="1" spc="-249" dirty="0">
+              <a:solidFill>
+                <a:srgbClr val="FFFFFF"/>
+              </a:solidFill>
+              <a:latin typeface="Bricolage Grotesque Bold"/>
+              <a:ea typeface="Bricolage Grotesque Bold"/>
+              <a:cs typeface="Bricolage Grotesque Bold"/>
+              <a:sym typeface="Bricolage Grotesque Bold"/>
+            </a:endParaRPr>
+          </a:p>
+        </p:txBody>
+      </p:sp>
+      <p:sp>
+        <p:nvSpPr>
+          <p:cNvPr id="9" name="TextBox 9"/>
+          <p:cNvSpPr txBox="1"/>
           <p:nvPr/>
         </p:nvSpPr>
         <p:spPr>
-          <a:xfrm rot="0">
+          <a:xfrm>
             <a:off x="10860842" y="3890920"/>
-            <a:ext cx="3310213" cy="465079"/>
+            <a:ext cx="4226758" cy="453329"/>
           </a:xfrm>
           <a:prstGeom prst="rect">
             <a:avLst/>
           </a:prstGeom>
         </p:spPr>
         <p:txBody>
-          <a:bodyPr anchor="t" rtlCol="false" tIns="0" lIns="0" bIns="0" rIns="0">
+          <a:bodyPr wrap="square" lIns="0" tIns="0" rIns="0" bIns="0" rtlCol="0" anchor="t">
             <a:spAutoFit/>
           </a:bodyPr>
           <a:lstStyle/>
           <a:p>
-            <a:pPr algn="l" marL="0" indent="0" lvl="0">
+            <a:pPr marL="0" lvl="0" indent="0" algn="l">
               <a:lnSpc>
                 <a:spcPts val="3504"/>
               </a:lnSpc>
             </a:pPr>
             <a:r>
-              <a:rPr lang="en-US" b="true" sz="3370" spc="-249">
+              <a:rPr lang="en-US" sz="3370" b="1" spc="-249" dirty="0">
                 <a:solidFill>
                   <a:srgbClr val="FFFFFF"/>
                 </a:solidFill>
@@ -4935,32 +5141,32 @@
       </p:sp>
       <p:sp>
         <p:nvSpPr>
-          <p:cNvPr name="TextBox 10" id="10"/>
-          <p:cNvSpPr txBox="true"/>
+          <p:cNvPr id="10" name="TextBox 10"/>
+          <p:cNvSpPr txBox="1"/>
           <p:nvPr/>
         </p:nvSpPr>
         <p:spPr>
-          <a:xfrm rot="0">
-            <a:off x="10834050" y="6847818"/>
-            <a:ext cx="6312260" cy="465079"/>
+          <a:xfrm>
+            <a:off x="10834050" y="6335114"/>
+            <a:ext cx="6746268" cy="453329"/>
           </a:xfrm>
           <a:prstGeom prst="rect">
             <a:avLst/>
           </a:prstGeom>
         </p:spPr>
         <p:txBody>
-          <a:bodyPr anchor="t" rtlCol="false" tIns="0" lIns="0" bIns="0" rIns="0">
+          <a:bodyPr wrap="square" lIns="0" tIns="0" rIns="0" bIns="0" rtlCol="0" anchor="t">
             <a:spAutoFit/>
           </a:bodyPr>
           <a:lstStyle/>
           <a:p>
-            <a:pPr algn="l" marL="0" indent="0" lvl="0">
+            <a:pPr marL="0" lvl="0" indent="0" algn="l">
               <a:lnSpc>
                 <a:spcPts val="3504"/>
               </a:lnSpc>
             </a:pPr>
             <a:r>
-              <a:rPr lang="en-US" b="true" sz="3370" spc="-249">
+              <a:rPr lang="en-US" sz="3370" b="1" spc="-249" dirty="0">
                 <a:solidFill>
                   <a:srgbClr val="FFFFFF"/>
                 </a:solidFill>
@@ -4976,32 +5182,32 @@
       </p:sp>
       <p:sp>
         <p:nvSpPr>
-          <p:cNvPr name="TextBox 11" id="11"/>
-          <p:cNvSpPr txBox="true"/>
+          <p:cNvPr id="11" name="TextBox 11"/>
+          <p:cNvSpPr txBox="1"/>
           <p:nvPr/>
         </p:nvSpPr>
         <p:spPr>
-          <a:xfrm rot="0">
-            <a:off x="10807257" y="1834413"/>
-            <a:ext cx="6267537" cy="1425685"/>
+          <a:xfrm>
+            <a:off x="10807257" y="1979237"/>
+            <a:ext cx="6267537" cy="1472040"/>
           </a:xfrm>
           <a:prstGeom prst="rect">
             <a:avLst/>
           </a:prstGeom>
         </p:spPr>
         <p:txBody>
-          <a:bodyPr anchor="t" rtlCol="false" tIns="0" lIns="0" bIns="0" rIns="0">
+          <a:bodyPr lIns="0" tIns="0" rIns="0" bIns="0" rtlCol="0" anchor="t">
             <a:spAutoFit/>
           </a:bodyPr>
           <a:lstStyle/>
           <a:p>
-            <a:pPr algn="l" marL="0" indent="0" lvl="0">
+            <a:pPr marL="0" lvl="0" indent="0" algn="l">
               <a:lnSpc>
-                <a:spcPts val="2263"/>
+                <a:spcPts val="2393"/>
               </a:lnSpc>
             </a:pPr>
             <a:r>
-              <a:rPr lang="en-US" b="true" sz="1741" spc="-50">
+              <a:rPr lang="en-US" sz="1841" b="1" spc="-53" dirty="0">
                 <a:solidFill>
                   <a:srgbClr val="FFFFFF"/>
                 </a:solidFill>
@@ -5010,10 +5216,10 @@
                 <a:cs typeface="Inter Medium"/>
                 <a:sym typeface="Inter Medium"/>
               </a:rPr>
-              <a:t>50 turbo-charged models, 25 regions, 2 crop types – boom! These tiny-but-mighty prediction engines zip through data faster than seeds sprout after rain. Our XGBoost magic turns farming guesswork into "I-knew-it" moments. Small file size, massive brain power – that's how we roll in the</a:t>
-            </a:r>
-            <a:r>
-              <a:rPr lang="en-US" b="true" sz="1741" spc="-50">
+              <a:t>50 turbo-charged models, 25 regions, 2 crop types – boom! These tiny-but-mighty prediction engines zip through data. Our </a:t>
+            </a:r>
+            <a:r>
+              <a:rPr lang="en-US" sz="1841" b="1" spc="-53" dirty="0" err="1">
                 <a:solidFill>
                   <a:srgbClr val="FFFFFF"/>
                 </a:solidFill>
@@ -5022,39 +5228,10 @@
                 <a:cs typeface="Inter Medium"/>
                 <a:sym typeface="Inter Medium"/>
               </a:rPr>
-              <a:t> fields.</a:t>
-            </a:r>
-          </a:p>
-        </p:txBody>
-      </p:sp>
-      <p:sp>
-        <p:nvSpPr>
-          <p:cNvPr name="TextBox 12" id="12"/>
-          <p:cNvSpPr txBox="true"/>
-          <p:nvPr/>
-        </p:nvSpPr>
-        <p:spPr>
-          <a:xfrm rot="0">
-            <a:off x="10860842" y="4498874"/>
-            <a:ext cx="6267537" cy="1711435"/>
-          </a:xfrm>
-          <a:prstGeom prst="rect">
-            <a:avLst/>
-          </a:prstGeom>
-        </p:spPr>
-        <p:txBody>
-          <a:bodyPr anchor="t" rtlCol="false" tIns="0" lIns="0" bIns="0" rIns="0">
-            <a:spAutoFit/>
-          </a:bodyPr>
-          <a:lstStyle/>
-          <a:p>
-            <a:pPr algn="l" marL="0" indent="0" lvl="0">
-              <a:lnSpc>
-                <a:spcPts val="2263"/>
-              </a:lnSpc>
-            </a:pPr>
-            <a:r>
-              <a:rPr lang="en-US" b="true" sz="1741" spc="-50">
+              <a:t>XGBoost</a:t>
+            </a:r>
+            <a:r>
+              <a:rPr lang="en-US" sz="1841" b="1" spc="-53" dirty="0">
                 <a:solidFill>
                   <a:srgbClr val="FFFFFF"/>
                 </a:solidFill>
@@ -5063,39 +5240,39 @@
                 <a:cs typeface="Inter Medium"/>
                 <a:sym typeface="Inter Medium"/>
               </a:rPr>
-              <a:t>Blink and you'll miss it! AgroProphet spits out predictions faster than a watermelon seed. Yesterday's forecast? Ancient history. Our algorithms race through terabytes like tractors through open fields, delivering fresh market insights before your coffee gets cold. No lag, no drag – just rapid-fire predictions. For farmers who count seconds, not just seasons.</a:t>
-            </a:r>
-          </a:p>
-        </p:txBody>
-      </p:sp>
-      <p:sp>
-        <p:nvSpPr>
-          <p:cNvPr name="TextBox 13" id="13"/>
-          <p:cNvSpPr txBox="true"/>
+              <a:t> magic turns farming guesswork into "I-knew-it" moments. Small file size, massive brain power – that's how we roll in the fields.</a:t>
+            </a:r>
+          </a:p>
+        </p:txBody>
+      </p:sp>
+      <p:sp>
+        <p:nvSpPr>
+          <p:cNvPr id="12" name="TextBox 12"/>
+          <p:cNvSpPr txBox="1"/>
           <p:nvPr/>
         </p:nvSpPr>
         <p:spPr>
-          <a:xfrm rot="0">
-            <a:off x="10878773" y="7455772"/>
-            <a:ext cx="6267537" cy="1997185"/>
+          <a:xfrm>
+            <a:off x="10807257" y="4641749"/>
+            <a:ext cx="6267537" cy="1176765"/>
           </a:xfrm>
           <a:prstGeom prst="rect">
             <a:avLst/>
           </a:prstGeom>
         </p:spPr>
         <p:txBody>
-          <a:bodyPr anchor="t" rtlCol="false" tIns="0" lIns="0" bIns="0" rIns="0">
+          <a:bodyPr lIns="0" tIns="0" rIns="0" bIns="0" rtlCol="0" anchor="t">
             <a:spAutoFit/>
           </a:bodyPr>
           <a:lstStyle/>
           <a:p>
-            <a:pPr algn="l" marL="0" indent="0" lvl="0">
+            <a:pPr marL="0" lvl="0" indent="0" algn="l">
               <a:lnSpc>
-                <a:spcPts val="2263"/>
+                <a:spcPts val="2393"/>
               </a:lnSpc>
             </a:pPr>
             <a:r>
-              <a:rPr lang="en-US" b="true" sz="1741" spc="-50">
+              <a:rPr lang="en-US" sz="1841" b="1" spc="-53">
                 <a:solidFill>
                   <a:srgbClr val="FFFFFF"/>
                 </a:solidFill>
@@ -5104,10 +5281,39 @@
                 <a:cs typeface="Inter Medium"/>
                 <a:sym typeface="Inter Medium"/>
               </a:rPr>
-              <a:t>No power-hungry GPUs here! Our CPU-only approach sips electricity like a hummingbird. While other AI systems guzzle power like thirsty tractors, AgroProphet runs lean and clean – growing your profits without growing your carbon footprint. Mother Nature already has enough to worry about without AI adding to her troubles. Smart predictions shouldn't cost the earth –</a:t>
-            </a:r>
-            <a:r>
-              <a:rPr lang="en-US" b="true" sz="1741" spc="-50">
+              <a:t>Blink and you'll miss it! AgroProphet spits out predictions faster than a watermelon seed. Yesterday's forecast? Ancient history. No lag, no drag – just rapid-fire predictions. For farmers who count seconds, not just seasons.</a:t>
+            </a:r>
+          </a:p>
+        </p:txBody>
+      </p:sp>
+      <p:sp>
+        <p:nvSpPr>
+          <p:cNvPr id="13" name="TextBox 13"/>
+          <p:cNvSpPr txBox="1"/>
+          <p:nvPr/>
+        </p:nvSpPr>
+        <p:spPr>
+          <a:xfrm>
+            <a:off x="10807257" y="6920801"/>
+            <a:ext cx="6267537" cy="1472040"/>
+          </a:xfrm>
+          <a:prstGeom prst="rect">
+            <a:avLst/>
+          </a:prstGeom>
+        </p:spPr>
+        <p:txBody>
+          <a:bodyPr lIns="0" tIns="0" rIns="0" bIns="0" rtlCol="0" anchor="t">
+            <a:spAutoFit/>
+          </a:bodyPr>
+          <a:lstStyle/>
+          <a:p>
+            <a:pPr marL="0" lvl="0" indent="0" algn="l">
+              <a:lnSpc>
+                <a:spcPts val="2393"/>
+              </a:lnSpc>
+            </a:pPr>
+            <a:r>
+              <a:rPr lang="en-US" sz="1841" b="1" spc="-53">
                 <a:solidFill>
                   <a:srgbClr val="FFFFFF"/>
                 </a:solidFill>
@@ -5116,19 +5322,19 @@
                 <a:cs typeface="Inter Medium"/>
                 <a:sym typeface="Inter Medium"/>
               </a:rPr>
-              <a:t> literally.</a:t>
-            </a:r>
-          </a:p>
-        </p:txBody>
-      </p:sp>
-      <p:sp>
-        <p:nvSpPr>
-          <p:cNvPr name="Freeform 14" id="14"/>
+              <a:t>No power-hungry GPUs here! Our CPU-only approach sips electricity like a hummingbird. While other AI systems guzzle power, AgroProphet runs lean and clean – growing your profits without growing your carbon footprint. Smart predictions shouldn't cost the earth – literally.</a:t>
+            </a:r>
+          </a:p>
+        </p:txBody>
+      </p:sp>
+      <p:sp>
+        <p:nvSpPr>
+          <p:cNvPr id="14" name="Freeform 14"/>
           <p:cNvSpPr/>
           <p:nvPr/>
         </p:nvSpPr>
         <p:spPr>
-          <a:xfrm flipH="false" flipV="false" rot="0">
+          <a:xfrm>
             <a:off x="7047367" y="1028700"/>
             <a:ext cx="2096633" cy="1147430"/>
           </a:xfrm>
@@ -5137,9 +5343,9 @@
             <a:gdLst/>
             <a:ahLst/>
             <a:cxnLst/>
-            <a:rect r="r" b="b" t="t" l="l"/>
+            <a:rect l="l" t="t" r="r" b="b"/>
             <a:pathLst>
-              <a:path h="1147430" w="2096633">
+              <a:path w="2096633" h="1147430">
                 <a:moveTo>
                   <a:pt x="0" y="0"/>
                 </a:moveTo>
@@ -5168,10 +5374,17 @@
               </a:extLst>
             </a:blip>
             <a:stretch>
-              <a:fillRect l="0" t="0" r="0" b="0"/>
+              <a:fillRect/>
             </a:stretch>
           </a:blipFill>
         </p:spPr>
+        <p:txBody>
+          <a:bodyPr/>
+          <a:lstStyle/>
+          <a:p>
+            <a:endParaRPr lang="en-US"/>
+          </a:p>
+        </p:txBody>
       </p:sp>
     </p:spTree>
   </p:cSld>
@@ -5182,13 +5395,14 @@
 </file>
 
 <file path=ppt/slides/slide5.xml><?xml version="1.0" encoding="utf-8"?>
-<p:sld xmlns:p="http://schemas.openxmlformats.org/presentationml/2006/main" xmlns:a="http://schemas.openxmlformats.org/drawingml/2006/main" xmlns:r="http://schemas.openxmlformats.org/officeDocument/2006/relationships">
+<p:sld xmlns:a="http://schemas.openxmlformats.org/drawingml/2006/main" xmlns:r="http://schemas.openxmlformats.org/officeDocument/2006/relationships" xmlns:p="http://schemas.openxmlformats.org/presentationml/2006/main">
   <p:cSld>
     <p:bg>
       <p:bgPr>
         <a:solidFill>
           <a:srgbClr val="0DA24D"/>
         </a:solidFill>
+        <a:effectLst/>
       </p:bgPr>
     </p:bg>
     <p:spTree>
@@ -5207,12 +5421,12 @@
       </p:grpSpPr>
       <p:sp>
         <p:nvSpPr>
-          <p:cNvPr name="Freeform 2" id="2"/>
+          <p:cNvPr id="2" name="Freeform 2"/>
           <p:cNvSpPr/>
           <p:nvPr/>
         </p:nvSpPr>
         <p:spPr>
-          <a:xfrm flipH="false" flipV="false" rot="0">
+          <a:xfrm>
             <a:off x="-4741690" y="-2983763"/>
             <a:ext cx="18473303" cy="16254526"/>
           </a:xfrm>
@@ -5221,9 +5435,9 @@
             <a:gdLst/>
             <a:ahLst/>
             <a:cxnLst/>
-            <a:rect r="r" b="b" t="t" l="l"/>
+            <a:rect l="l" t="t" r="r" b="b"/>
             <a:pathLst>
-              <a:path h="16254526" w="18473303">
+              <a:path w="18473303" h="16254526">
                 <a:moveTo>
                   <a:pt x="0" y="0"/>
                 </a:moveTo>
@@ -5252,19 +5466,26 @@
               </a:extLst>
             </a:blip>
             <a:stretch>
-              <a:fillRect l="0" t="0" r="0" b="0"/>
+              <a:fillRect/>
             </a:stretch>
           </a:blipFill>
         </p:spPr>
-      </p:sp>
-      <p:sp>
-        <p:nvSpPr>
-          <p:cNvPr name="Freeform 3" id="3"/>
+        <p:txBody>
+          <a:bodyPr/>
+          <a:lstStyle/>
+          <a:p>
+            <a:endParaRPr lang="en-US"/>
+          </a:p>
+        </p:txBody>
+      </p:sp>
+      <p:sp>
+        <p:nvSpPr>
+          <p:cNvPr id="3" name="Freeform 3"/>
           <p:cNvSpPr/>
           <p:nvPr/>
         </p:nvSpPr>
         <p:spPr>
-          <a:xfrm flipH="false" flipV="false" rot="-1819004">
+          <a:xfrm rot="-1819004">
             <a:off x="13665211" y="-2201966"/>
             <a:ext cx="6605452" cy="6461333"/>
           </a:xfrm>
@@ -5273,9 +5494,9 @@
             <a:gdLst/>
             <a:ahLst/>
             <a:cxnLst/>
-            <a:rect r="r" b="b" t="t" l="l"/>
+            <a:rect l="l" t="t" r="r" b="b"/>
             <a:pathLst>
-              <a:path h="6461333" w="6605452">
+              <a:path w="6605452" h="6461333">
                 <a:moveTo>
                   <a:pt x="0" y="0"/>
                 </a:moveTo>
@@ -5304,19 +5525,26 @@
               </a:extLst>
             </a:blip>
             <a:stretch>
-              <a:fillRect l="0" t="0" r="0" b="0"/>
+              <a:fillRect/>
             </a:stretch>
           </a:blipFill>
         </p:spPr>
-      </p:sp>
-      <p:sp>
-        <p:nvSpPr>
-          <p:cNvPr name="Freeform 4" id="4"/>
+        <p:txBody>
+          <a:bodyPr/>
+          <a:lstStyle/>
+          <a:p>
+            <a:endParaRPr lang="en-US"/>
+          </a:p>
+        </p:txBody>
+      </p:sp>
+      <p:sp>
+        <p:nvSpPr>
+          <p:cNvPr id="4" name="Freeform 4"/>
           <p:cNvSpPr/>
           <p:nvPr/>
         </p:nvSpPr>
         <p:spPr>
-          <a:xfrm flipH="false" flipV="false" rot="0">
+          <a:xfrm>
             <a:off x="12486089" y="3918761"/>
             <a:ext cx="6117555" cy="7314468"/>
           </a:xfrm>
@@ -5325,9 +5553,9 @@
             <a:gdLst/>
             <a:ahLst/>
             <a:cxnLst/>
-            <a:rect r="r" b="b" t="t" l="l"/>
+            <a:rect l="l" t="t" r="r" b="b"/>
             <a:pathLst>
-              <a:path h="7314468" w="6117555">
+              <a:path w="6117555" h="7314468">
                 <a:moveTo>
                   <a:pt x="0" y="0"/>
                 </a:moveTo>
@@ -5356,19 +5584,26 @@
               </a:extLst>
             </a:blip>
             <a:stretch>
-              <a:fillRect l="0" t="0" r="0" b="0"/>
+              <a:fillRect/>
             </a:stretch>
           </a:blipFill>
         </p:spPr>
-      </p:sp>
-      <p:sp>
-        <p:nvSpPr>
-          <p:cNvPr name="TextBox 5" id="5"/>
-          <p:cNvSpPr txBox="true"/>
+        <p:txBody>
+          <a:bodyPr/>
+          <a:lstStyle/>
+          <a:p>
+            <a:endParaRPr lang="en-US"/>
+          </a:p>
+        </p:txBody>
+      </p:sp>
+      <p:sp>
+        <p:nvSpPr>
+          <p:cNvPr id="5" name="TextBox 5"/>
+          <p:cNvSpPr txBox="1"/>
           <p:nvPr/>
         </p:nvSpPr>
         <p:spPr>
-          <a:xfrm rot="0">
+          <a:xfrm>
             <a:off x="1028700" y="1922505"/>
             <a:ext cx="10808208" cy="2936599"/>
           </a:xfrm>
@@ -5377,18 +5612,18 @@
           </a:prstGeom>
         </p:spPr>
         <p:txBody>
-          <a:bodyPr anchor="t" rtlCol="false" tIns="0" lIns="0" bIns="0" rIns="0">
+          <a:bodyPr lIns="0" tIns="0" rIns="0" bIns="0" rtlCol="0" anchor="t">
             <a:spAutoFit/>
           </a:bodyPr>
           <a:lstStyle/>
           <a:p>
-            <a:pPr algn="l" marL="0" indent="0" lvl="0">
+            <a:pPr marL="0" lvl="0" indent="0" algn="l">
               <a:lnSpc>
                 <a:spcPts val="11360"/>
               </a:lnSpc>
             </a:pPr>
             <a:r>
-              <a:rPr lang="en-US" b="true" sz="10923" spc="-808">
+              <a:rPr lang="en-US" sz="10923" b="1" spc="-808">
                 <a:solidFill>
                   <a:srgbClr val="FFFFFF"/>
                 </a:solidFill>
@@ -5404,12 +5639,12 @@
       </p:sp>
       <p:sp>
         <p:nvSpPr>
-          <p:cNvPr name="TextBox 6" id="6"/>
-          <p:cNvSpPr txBox="true"/>
+          <p:cNvPr id="6" name="TextBox 6"/>
+          <p:cNvSpPr txBox="1"/>
           <p:nvPr/>
         </p:nvSpPr>
         <p:spPr>
-          <a:xfrm rot="0">
+          <a:xfrm>
             <a:off x="1028700" y="5710082"/>
             <a:ext cx="10938637" cy="1079735"/>
           </a:xfrm>
@@ -5418,18 +5653,18 @@
           </a:prstGeom>
         </p:spPr>
         <p:txBody>
-          <a:bodyPr anchor="t" rtlCol="false" tIns="0" lIns="0" bIns="0" rIns="0">
+          <a:bodyPr lIns="0" tIns="0" rIns="0" bIns="0" rtlCol="0" anchor="t">
             <a:spAutoFit/>
           </a:bodyPr>
           <a:lstStyle/>
           <a:p>
-            <a:pPr algn="l" marL="0" indent="0" lvl="0">
+            <a:pPr marL="0" lvl="0" indent="0" algn="l">
               <a:lnSpc>
                 <a:spcPts val="2879"/>
               </a:lnSpc>
             </a:pPr>
             <a:r>
-              <a:rPr lang="en-US" b="true" sz="2215" spc="-64">
+              <a:rPr lang="en-US" sz="2215" b="1" spc="-64">
                 <a:solidFill>
                   <a:srgbClr val="FFFFFF"/>
                 </a:solidFill>
@@ -5445,32 +5680,32 @@
       </p:sp>
       <p:sp>
         <p:nvSpPr>
-          <p:cNvPr name="TextBox 7" id="7"/>
-          <p:cNvSpPr txBox="true"/>
+          <p:cNvPr id="7" name="TextBox 7"/>
+          <p:cNvSpPr txBox="1"/>
           <p:nvPr/>
         </p:nvSpPr>
         <p:spPr>
-          <a:xfrm rot="0">
-            <a:off x="1028700" y="7177905"/>
-            <a:ext cx="10938637" cy="1442675"/>
+          <a:xfrm>
+            <a:off x="1028700" y="7068643"/>
+            <a:ext cx="10938637" cy="2189657"/>
           </a:xfrm>
           <a:prstGeom prst="rect">
             <a:avLst/>
           </a:prstGeom>
         </p:spPr>
         <p:txBody>
-          <a:bodyPr anchor="t" rtlCol="false" tIns="0" lIns="0" bIns="0" rIns="0">
+          <a:bodyPr lIns="0" tIns="0" rIns="0" bIns="0" rtlCol="0" anchor="t">
             <a:spAutoFit/>
           </a:bodyPr>
           <a:lstStyle/>
           <a:p>
-            <a:pPr algn="l" marL="0" indent="0" lvl="0">
+            <a:pPr algn="l">
               <a:lnSpc>
                 <a:spcPts val="2879"/>
               </a:lnSpc>
             </a:pPr>
             <a:r>
-              <a:rPr lang="en-US" b="true" sz="2215" spc="-64">
+              <a:rPr lang="en-US" sz="2215" b="1" spc="-64">
                 <a:solidFill>
                   <a:srgbClr val="FFFFFF"/>
                 </a:solidFill>
@@ -5479,19 +5714,73 @@
                 <a:cs typeface="Inter Medium"/>
                 <a:sym typeface="Inter Medium"/>
               </a:rPr>
-              <a:t>Fifty models sounds wild? We automate weekly retraining, zero drama. Predictions? Forget just speed; we're talking accuracy so tight, our RMSE is a crisp 1.8. Error? We barely know her. Add crop/region? Copy-paste easy. Tiny Docker (&lt;1.6GB RAM) scales like a weed, giving farmers hyper-local intel, zero headaches.</a:t>
-            </a:r>
-          </a:p>
-        </p:txBody>
-      </p:sp>
-      <p:sp>
-        <p:nvSpPr>
-          <p:cNvPr name="Freeform 8" id="8"/>
+              <a:t>Fifty models sounds wild? We automate weekly retraining, zero drama. Predictions? Forget just speed; we're talking accuracy so tight, our RMSE is a crisp 1.8.</a:t>
+            </a:r>
+          </a:p>
+          <a:p>
+            <a:pPr algn="l">
+              <a:lnSpc>
+                <a:spcPts val="2879"/>
+              </a:lnSpc>
+            </a:pPr>
+            <a:endParaRPr lang="en-US" sz="2215" b="1" spc="-64">
+              <a:solidFill>
+                <a:srgbClr val="FFFFFF"/>
+              </a:solidFill>
+              <a:latin typeface="Inter Medium"/>
+              <a:ea typeface="Inter Medium"/>
+              <a:cs typeface="Inter Medium"/>
+              <a:sym typeface="Inter Medium"/>
+            </a:endParaRPr>
+          </a:p>
+          <a:p>
+            <a:pPr algn="l">
+              <a:lnSpc>
+                <a:spcPts val="2879"/>
+              </a:lnSpc>
+            </a:pPr>
+            <a:r>
+              <a:rPr lang="en-US" sz="2215" b="1" spc="-64">
+                <a:solidFill>
+                  <a:srgbClr val="FFFFFF"/>
+                </a:solidFill>
+                <a:latin typeface="Inter Medium"/>
+                <a:ea typeface="Inter Medium"/>
+                <a:cs typeface="Inter Medium"/>
+                <a:sym typeface="Inter Medium"/>
+              </a:rPr>
+              <a:t>Error? We barely know her. Add crop/region? Copy-paste easy. </a:t>
+            </a:r>
+          </a:p>
+          <a:p>
+            <a:pPr marL="0" lvl="0" indent="0" algn="l">
+              <a:lnSpc>
+                <a:spcPts val="2879"/>
+              </a:lnSpc>
+            </a:pPr>
+            <a:r>
+              <a:rPr lang="en-US" sz="2215" b="1" spc="-64">
+                <a:solidFill>
+                  <a:srgbClr val="FFFFFF"/>
+                </a:solidFill>
+                <a:latin typeface="Inter Medium"/>
+                <a:ea typeface="Inter Medium"/>
+                <a:cs typeface="Inter Medium"/>
+                <a:sym typeface="Inter Medium"/>
+              </a:rPr>
+              <a:t>Tiny Docker (&lt;1.6GB RAM) scales like a weed, giving farmers hyper-local intel, zero headaches.</a:t>
+            </a:r>
+          </a:p>
+        </p:txBody>
+      </p:sp>
+      <p:sp>
+        <p:nvSpPr>
+          <p:cNvPr id="8" name="Freeform 8"/>
           <p:cNvSpPr/>
           <p:nvPr/>
         </p:nvSpPr>
         <p:spPr>
-          <a:xfrm flipH="false" flipV="false" rot="516798">
+          <a:xfrm rot="516798">
             <a:off x="11257191" y="2324455"/>
             <a:ext cx="3306803" cy="4114800"/>
           </a:xfrm>
@@ -5500,9 +5789,9 @@
             <a:gdLst/>
             <a:ahLst/>
             <a:cxnLst/>
-            <a:rect r="r" b="b" t="t" l="l"/>
+            <a:rect l="l" t="t" r="r" b="b"/>
             <a:pathLst>
-              <a:path h="4114800" w="3306803">
+              <a:path w="3306803" h="4114800">
                 <a:moveTo>
                   <a:pt x="0" y="0"/>
                 </a:moveTo>
@@ -5531,10 +5820,17 @@
               </a:extLst>
             </a:blip>
             <a:stretch>
-              <a:fillRect l="0" t="0" r="0" b="0"/>
+              <a:fillRect/>
             </a:stretch>
           </a:blipFill>
         </p:spPr>
+        <p:txBody>
+          <a:bodyPr/>
+          <a:lstStyle/>
+          <a:p>
+            <a:endParaRPr lang="en-US"/>
+          </a:p>
+        </p:txBody>
       </p:sp>
     </p:spTree>
   </p:cSld>
@@ -5545,13 +5841,14 @@
 </file>
 
 <file path=ppt/slides/slide6.xml><?xml version="1.0" encoding="utf-8"?>
-<p:sld xmlns:p="http://schemas.openxmlformats.org/presentationml/2006/main" xmlns:a="http://schemas.openxmlformats.org/drawingml/2006/main" xmlns:r="http://schemas.openxmlformats.org/officeDocument/2006/relationships">
+<p:sld xmlns:a="http://schemas.openxmlformats.org/drawingml/2006/main" xmlns:r="http://schemas.openxmlformats.org/officeDocument/2006/relationships" xmlns:p="http://schemas.openxmlformats.org/presentationml/2006/main">
   <p:cSld>
     <p:bg>
       <p:bgPr>
         <a:solidFill>
           <a:srgbClr val="0DA24D"/>
         </a:solidFill>
+        <a:effectLst/>
       </p:bgPr>
     </p:bg>
     <p:spTree>
@@ -5570,12 +5867,12 @@
       </p:grpSpPr>
       <p:sp>
         <p:nvSpPr>
-          <p:cNvPr name="Freeform 2" id="2"/>
+          <p:cNvPr id="2" name="Freeform 2"/>
           <p:cNvSpPr/>
           <p:nvPr/>
         </p:nvSpPr>
         <p:spPr>
-          <a:xfrm flipH="false" flipV="false" rot="0">
+          <a:xfrm>
             <a:off x="-185303" y="-3329781"/>
             <a:ext cx="18473303" cy="16254526"/>
           </a:xfrm>
@@ -5584,9 +5881,9 @@
             <a:gdLst/>
             <a:ahLst/>
             <a:cxnLst/>
-            <a:rect r="r" b="b" t="t" l="l"/>
+            <a:rect l="l" t="t" r="r" b="b"/>
             <a:pathLst>
-              <a:path h="16254526" w="18473303">
+              <a:path w="18473303" h="16254526">
                 <a:moveTo>
                   <a:pt x="0" y="0"/>
                 </a:moveTo>
@@ -5615,19 +5912,26 @@
               </a:extLst>
             </a:blip>
             <a:stretch>
-              <a:fillRect l="0" t="0" r="0" b="0"/>
+              <a:fillRect/>
             </a:stretch>
           </a:blipFill>
         </p:spPr>
-      </p:sp>
-      <p:sp>
-        <p:nvSpPr>
-          <p:cNvPr name="Freeform 3" id="3"/>
+        <p:txBody>
+          <a:bodyPr/>
+          <a:lstStyle/>
+          <a:p>
+            <a:endParaRPr lang="en-US"/>
+          </a:p>
+        </p:txBody>
+      </p:sp>
+      <p:sp>
+        <p:nvSpPr>
+          <p:cNvPr id="3" name="Freeform 3"/>
           <p:cNvSpPr/>
           <p:nvPr/>
         </p:nvSpPr>
         <p:spPr>
-          <a:xfrm flipH="false" flipV="false" rot="0">
+          <a:xfrm>
             <a:off x="13354391" y="5143500"/>
             <a:ext cx="6439695" cy="7699635"/>
           </a:xfrm>
@@ -5636,9 +5940,9 @@
             <a:gdLst/>
             <a:ahLst/>
             <a:cxnLst/>
-            <a:rect r="r" b="b" t="t" l="l"/>
+            <a:rect l="l" t="t" r="r" b="b"/>
             <a:pathLst>
-              <a:path h="7699635" w="6439695">
+              <a:path w="6439695" h="7699635">
                 <a:moveTo>
                   <a:pt x="0" y="0"/>
                 </a:moveTo>
@@ -5667,19 +5971,26 @@
               </a:extLst>
             </a:blip>
             <a:stretch>
-              <a:fillRect l="0" t="0" r="0" b="0"/>
+              <a:fillRect/>
             </a:stretch>
           </a:blipFill>
         </p:spPr>
-      </p:sp>
-      <p:sp>
-        <p:nvSpPr>
-          <p:cNvPr name="Freeform 4" id="4"/>
+        <p:txBody>
+          <a:bodyPr/>
+          <a:lstStyle/>
+          <a:p>
+            <a:endParaRPr lang="en-US"/>
+          </a:p>
+        </p:txBody>
+      </p:sp>
+      <p:sp>
+        <p:nvSpPr>
+          <p:cNvPr id="4" name="Freeform 4"/>
           <p:cNvSpPr/>
           <p:nvPr/>
         </p:nvSpPr>
         <p:spPr>
-          <a:xfrm flipH="true" flipV="false" rot="0">
+          <a:xfrm flipH="1">
             <a:off x="-2938432" y="5683777"/>
             <a:ext cx="8651208" cy="6260328"/>
           </a:xfrm>
@@ -5688,9 +5999,9 @@
             <a:gdLst/>
             <a:ahLst/>
             <a:cxnLst/>
-            <a:rect r="r" b="b" t="t" l="l"/>
+            <a:rect l="l" t="t" r="r" b="b"/>
             <a:pathLst>
-              <a:path h="6260328" w="8651208">
+              <a:path w="8651208" h="6260328">
                 <a:moveTo>
                   <a:pt x="8651208" y="0"/>
                 </a:moveTo>
@@ -5719,19 +6030,26 @@
               </a:extLst>
             </a:blip>
             <a:stretch>
-              <a:fillRect l="0" t="0" r="0" b="0"/>
+              <a:fillRect/>
             </a:stretch>
           </a:blipFill>
         </p:spPr>
-      </p:sp>
-      <p:sp>
-        <p:nvSpPr>
-          <p:cNvPr name="Freeform 5" id="5"/>
+        <p:txBody>
+          <a:bodyPr/>
+          <a:lstStyle/>
+          <a:p>
+            <a:endParaRPr lang="en-US"/>
+          </a:p>
+        </p:txBody>
+      </p:sp>
+      <p:sp>
+        <p:nvSpPr>
+          <p:cNvPr id="5" name="Freeform 5"/>
           <p:cNvSpPr/>
           <p:nvPr/>
         </p:nvSpPr>
         <p:spPr>
-          <a:xfrm flipH="false" flipV="false" rot="-1125818">
+          <a:xfrm rot="-1125818">
             <a:off x="13707496" y="-2158751"/>
             <a:ext cx="6605452" cy="6461333"/>
           </a:xfrm>
@@ -5740,9 +6058,9 @@
             <a:gdLst/>
             <a:ahLst/>
             <a:cxnLst/>
-            <a:rect r="r" b="b" t="t" l="l"/>
+            <a:rect l="l" t="t" r="r" b="b"/>
             <a:pathLst>
-              <a:path h="6461333" w="6605452">
+              <a:path w="6605452" h="6461333">
                 <a:moveTo>
                   <a:pt x="0" y="0"/>
                 </a:moveTo>
@@ -5771,19 +6089,26 @@
               </a:extLst>
             </a:blip>
             <a:stretch>
-              <a:fillRect l="0" t="0" r="0" b="0"/>
+              <a:fillRect/>
             </a:stretch>
           </a:blipFill>
         </p:spPr>
-      </p:sp>
-      <p:sp>
-        <p:nvSpPr>
-          <p:cNvPr name="Freeform 6" id="6"/>
+        <p:txBody>
+          <a:bodyPr/>
+          <a:lstStyle/>
+          <a:p>
+            <a:endParaRPr lang="en-US"/>
+          </a:p>
+        </p:txBody>
+      </p:sp>
+      <p:sp>
+        <p:nvSpPr>
+          <p:cNvPr id="6" name="Freeform 6"/>
           <p:cNvSpPr/>
           <p:nvPr/>
         </p:nvSpPr>
         <p:spPr>
-          <a:xfrm flipH="true" flipV="false" rot="433907">
+          <a:xfrm rot="433907" flipH="1">
             <a:off x="-2320561" y="-667101"/>
             <a:ext cx="5251837" cy="5501924"/>
           </a:xfrm>
@@ -5792,9 +6117,9 @@
             <a:gdLst/>
             <a:ahLst/>
             <a:cxnLst/>
-            <a:rect r="r" b="b" t="t" l="l"/>
+            <a:rect l="l" t="t" r="r" b="b"/>
             <a:pathLst>
-              <a:path h="5501924" w="5251837">
+              <a:path w="5251837" h="5501924">
                 <a:moveTo>
                   <a:pt x="5251837" y="0"/>
                 </a:moveTo>
@@ -5823,19 +6148,26 @@
               </a:extLst>
             </a:blip>
             <a:stretch>
-              <a:fillRect l="0" t="0" r="0" b="0"/>
+              <a:fillRect/>
             </a:stretch>
           </a:blipFill>
         </p:spPr>
-      </p:sp>
-      <p:sp>
-        <p:nvSpPr>
-          <p:cNvPr name="TextBox 7" id="7"/>
-          <p:cNvSpPr txBox="true"/>
+        <p:txBody>
+          <a:bodyPr/>
+          <a:lstStyle/>
+          <a:p>
+            <a:endParaRPr lang="en-US"/>
+          </a:p>
+        </p:txBody>
+      </p:sp>
+      <p:sp>
+        <p:nvSpPr>
+          <p:cNvPr id="7" name="TextBox 7"/>
+          <p:cNvSpPr txBox="1"/>
           <p:nvPr/>
         </p:nvSpPr>
         <p:spPr>
-          <a:xfrm rot="0">
+          <a:xfrm>
             <a:off x="1924249" y="4518085"/>
             <a:ext cx="14439501" cy="2259330"/>
           </a:xfrm>
@@ -5844,18 +6176,18 @@
           </a:prstGeom>
         </p:spPr>
         <p:txBody>
-          <a:bodyPr anchor="t" rtlCol="false" tIns="0" lIns="0" bIns="0" rIns="0">
+          <a:bodyPr lIns="0" tIns="0" rIns="0" bIns="0" rtlCol="0" anchor="t">
             <a:spAutoFit/>
           </a:bodyPr>
           <a:lstStyle/>
           <a:p>
-            <a:pPr algn="ctr" marL="0" indent="0" lvl="0">
+            <a:pPr marL="0" lvl="0" indent="0" algn="ctr">
               <a:lnSpc>
                 <a:spcPts val="16560"/>
               </a:lnSpc>
             </a:pPr>
             <a:r>
-              <a:rPr lang="en-US" b="true" sz="18000" spc="-1332">
+              <a:rPr lang="en-US" sz="18000" b="1" spc="-1332">
                 <a:solidFill>
                   <a:srgbClr val="FFFFFF"/>
                 </a:solidFill>
@@ -5871,12 +6203,12 @@
       </p:sp>
       <p:sp>
         <p:nvSpPr>
-          <p:cNvPr name="Freeform 8" id="8"/>
+          <p:cNvPr id="8" name="Freeform 8"/>
           <p:cNvSpPr/>
           <p:nvPr/>
         </p:nvSpPr>
         <p:spPr>
-          <a:xfrm flipH="false" flipV="false" rot="0">
+          <a:xfrm>
             <a:off x="6813123" y="6834565"/>
             <a:ext cx="4661755" cy="6090179"/>
           </a:xfrm>
@@ -5885,9 +6217,9 @@
             <a:gdLst/>
             <a:ahLst/>
             <a:cxnLst/>
-            <a:rect r="r" b="b" t="t" l="l"/>
+            <a:rect l="l" t="t" r="r" b="b"/>
             <a:pathLst>
-              <a:path h="6090179" w="4661755">
+              <a:path w="4661755" h="6090179">
                 <a:moveTo>
                   <a:pt x="0" y="0"/>
                 </a:moveTo>
@@ -5916,19 +6248,26 @@
               </a:extLst>
             </a:blip>
             <a:stretch>
-              <a:fillRect l="0" t="0" r="0" b="0"/>
+              <a:fillRect/>
             </a:stretch>
           </a:blipFill>
         </p:spPr>
-      </p:sp>
-      <p:sp>
-        <p:nvSpPr>
-          <p:cNvPr name="Freeform 9" id="9"/>
+        <p:txBody>
+          <a:bodyPr/>
+          <a:lstStyle/>
+          <a:p>
+            <a:endParaRPr lang="en-US"/>
+          </a:p>
+        </p:txBody>
+      </p:sp>
+      <p:sp>
+        <p:nvSpPr>
+          <p:cNvPr id="9" name="Freeform 9"/>
           <p:cNvSpPr/>
           <p:nvPr/>
         </p:nvSpPr>
         <p:spPr>
-          <a:xfrm flipH="false" flipV="false" rot="139483">
+          <a:xfrm rot="139483">
             <a:off x="7310068" y="690073"/>
             <a:ext cx="3667865" cy="2787577"/>
           </a:xfrm>
@@ -5937,9 +6276,9 @@
             <a:gdLst/>
             <a:ahLst/>
             <a:cxnLst/>
-            <a:rect r="r" b="b" t="t" l="l"/>
+            <a:rect l="l" t="t" r="r" b="b"/>
             <a:pathLst>
-              <a:path h="2787577" w="3667865">
+              <a:path w="3667865" h="2787577">
                 <a:moveTo>
                   <a:pt x="0" y="0"/>
                 </a:moveTo>
@@ -5968,19 +6307,26 @@
               </a:extLst>
             </a:blip>
             <a:stretch>
-              <a:fillRect l="0" t="0" r="0" b="0"/>
+              <a:fillRect/>
             </a:stretch>
           </a:blipFill>
         </p:spPr>
-      </p:sp>
-      <p:sp>
-        <p:nvSpPr>
-          <p:cNvPr name="Freeform 10" id="10"/>
+        <p:txBody>
+          <a:bodyPr/>
+          <a:lstStyle/>
+          <a:p>
+            <a:endParaRPr lang="en-US"/>
+          </a:p>
+        </p:txBody>
+      </p:sp>
+      <p:sp>
+        <p:nvSpPr>
+          <p:cNvPr id="10" name="Freeform 10"/>
           <p:cNvSpPr/>
           <p:nvPr/>
         </p:nvSpPr>
         <p:spPr>
-          <a:xfrm flipH="false" flipV="false" rot="0">
+          <a:xfrm>
             <a:off x="3027223" y="1934516"/>
             <a:ext cx="1849070" cy="1011946"/>
           </a:xfrm>
@@ -5989,9 +6335,9 @@
             <a:gdLst/>
             <a:ahLst/>
             <a:cxnLst/>
-            <a:rect r="r" b="b" t="t" l="l"/>
+            <a:rect l="l" t="t" r="r" b="b"/>
             <a:pathLst>
-              <a:path h="1011946" w="1849070">
+              <a:path w="1849070" h="1011946">
                 <a:moveTo>
                   <a:pt x="0" y="0"/>
                 </a:moveTo>
@@ -6020,19 +6366,26 @@
               </a:extLst>
             </a:blip>
             <a:stretch>
-              <a:fillRect l="0" t="0" r="0" b="0"/>
+              <a:fillRect/>
             </a:stretch>
           </a:blipFill>
         </p:spPr>
-      </p:sp>
-      <p:sp>
-        <p:nvSpPr>
-          <p:cNvPr name="Freeform 11" id="11"/>
+        <p:txBody>
+          <a:bodyPr/>
+          <a:lstStyle/>
+          <a:p>
+            <a:endParaRPr lang="en-US"/>
+          </a:p>
+        </p:txBody>
+      </p:sp>
+      <p:sp>
+        <p:nvSpPr>
+          <p:cNvPr id="11" name="Freeform 11"/>
           <p:cNvSpPr/>
           <p:nvPr/>
         </p:nvSpPr>
         <p:spPr>
-          <a:xfrm flipH="false" flipV="false" rot="0">
+          <a:xfrm>
             <a:off x="13354391" y="2946462"/>
             <a:ext cx="1849070" cy="1011946"/>
           </a:xfrm>
@@ -6041,9 +6394,9 @@
             <a:gdLst/>
             <a:ahLst/>
             <a:cxnLst/>
-            <a:rect r="r" b="b" t="t" l="l"/>
+            <a:rect l="l" t="t" r="r" b="b"/>
             <a:pathLst>
-              <a:path h="1011946" w="1849070">
+              <a:path w="1849070" h="1011946">
                 <a:moveTo>
                   <a:pt x="0" y="0"/>
                 </a:moveTo>
@@ -6072,10 +6425,17 @@
               </a:extLst>
             </a:blip>
             <a:stretch>
-              <a:fillRect l="0" t="0" r="0" b="0"/>
+              <a:fillRect/>
             </a:stretch>
           </a:blipFill>
         </p:spPr>
+        <p:txBody>
+          <a:bodyPr/>
+          <a:lstStyle/>
+          <a:p>
+            <a:endParaRPr lang="en-US"/>
+          </a:p>
+        </p:txBody>
       </p:sp>
     </p:spTree>
   </p:cSld>
